--- a/Project4-Capstone/Yay Data/Presentation/Your big idea.pptx
+++ b/Project4-Capstone/Yay Data/Presentation/Your big idea.pptx
@@ -22,23 +22,25 @@
     <p:sldId id="267" r:id="rId16"/>
     <p:sldId id="268" r:id="rId17"/>
     <p:sldId id="269" r:id="rId18"/>
+    <p:sldId id="270" r:id="rId19"/>
+    <p:sldId id="271" r:id="rId20"/>
   </p:sldIdLst>
   <p:sldSz cy="5143500" cx="9144000"/>
   <p:notesSz cx="6858000" cy="9144000"/>
   <p:embeddedFontLst>
     <p:embeddedFont>
       <p:font typeface="Raleway"/>
-      <p:regular r:id="rId19"/>
-      <p:bold r:id="rId20"/>
-      <p:italic r:id="rId21"/>
-      <p:boldItalic r:id="rId22"/>
+      <p:regular r:id="rId21"/>
+      <p:bold r:id="rId22"/>
+      <p:italic r:id="rId23"/>
+      <p:boldItalic r:id="rId24"/>
     </p:embeddedFont>
     <p:embeddedFont>
       <p:font typeface="Lato"/>
-      <p:regular r:id="rId23"/>
-      <p:bold r:id="rId24"/>
-      <p:italic r:id="rId25"/>
-      <p:boldItalic r:id="rId26"/>
+      <p:regular r:id="rId25"/>
+      <p:bold r:id="rId26"/>
+      <p:italic r:id="rId27"/>
+      <p:boldItalic r:id="rId28"/>
     </p:embeddedFont>
   </p:embeddedFontLst>
   <p:defaultTextStyle>
@@ -495,7 +497,7 @@
   <p:cSld>
     <p:spTree>
       <p:nvGrpSpPr>
-        <p:cNvPr id="136" name="Shape 136"/>
+        <p:cNvPr id="137" name="Shape 137"/>
         <p:cNvGrpSpPr/>
         <p:nvPr/>
       </p:nvGrpSpPr>
@@ -509,7 +511,7 @@
       </p:grpSpPr>
       <p:sp>
         <p:nvSpPr>
-          <p:cNvPr id="137" name="Shape 137"/>
+          <p:cNvPr id="138" name="Shape 138"/>
           <p:cNvSpPr/>
           <p:nvPr>
             <p:ph idx="2" type="sldImg"/>
@@ -517,8 +519,8 @@
         </p:nvSpPr>
         <p:spPr>
           <a:xfrm>
-            <a:off x="381187" y="685800"/>
-            <a:ext cx="6096299" cy="3429000"/>
+            <a:off x="381300" y="685800"/>
+            <a:ext cx="6096000" cy="3429000"/>
           </a:xfrm>
           <a:custGeom>
             <a:pathLst>
@@ -543,7 +545,7 @@
       </p:sp>
       <p:sp>
         <p:nvSpPr>
-          <p:cNvPr id="138" name="Shape 138"/>
+          <p:cNvPr id="139" name="Shape 139"/>
           <p:cNvSpPr txBox="1"/>
           <p:nvPr>
             <p:ph idx="1" type="body"/>
@@ -552,7 +554,7 @@
         <p:spPr>
           <a:xfrm>
             <a:off x="685800" y="4343400"/>
-            <a:ext cx="5486400" cy="4114800"/>
+            <a:ext cx="5486399" cy="4114800"/>
           </a:xfrm>
           <a:prstGeom prst="rect">
             <a:avLst/>
@@ -590,7 +592,7 @@
   <p:cSld>
     <p:spTree>
       <p:nvGrpSpPr>
-        <p:cNvPr id="144" name="Shape 144"/>
+        <p:cNvPr id="148" name="Shape 148"/>
         <p:cNvGrpSpPr/>
         <p:nvPr/>
       </p:nvGrpSpPr>
@@ -604,7 +606,7 @@
       </p:grpSpPr>
       <p:sp>
         <p:nvSpPr>
-          <p:cNvPr id="145" name="Shape 145"/>
+          <p:cNvPr id="149" name="Shape 149"/>
           <p:cNvSpPr/>
           <p:nvPr>
             <p:ph idx="2" type="sldImg"/>
@@ -612,8 +614,8 @@
         </p:nvSpPr>
         <p:spPr>
           <a:xfrm>
-            <a:off x="381300" y="685800"/>
-            <a:ext cx="6096000" cy="3429000"/>
+            <a:off x="381187" y="685800"/>
+            <a:ext cx="6096299" cy="3429000"/>
           </a:xfrm>
           <a:custGeom>
             <a:pathLst>
@@ -638,7 +640,7 @@
       </p:sp>
       <p:sp>
         <p:nvSpPr>
-          <p:cNvPr id="146" name="Shape 146"/>
+          <p:cNvPr id="150" name="Shape 150"/>
           <p:cNvSpPr txBox="1"/>
           <p:nvPr>
             <p:ph idx="1" type="body"/>
@@ -685,7 +687,7 @@
   <p:cSld>
     <p:spTree>
       <p:nvGrpSpPr>
-        <p:cNvPr id="150" name="Shape 150"/>
+        <p:cNvPr id="154" name="Shape 154"/>
         <p:cNvGrpSpPr/>
         <p:nvPr/>
       </p:nvGrpSpPr>
@@ -699,7 +701,7 @@
       </p:grpSpPr>
       <p:sp>
         <p:nvSpPr>
-          <p:cNvPr id="151" name="Shape 151"/>
+          <p:cNvPr id="155" name="Shape 155"/>
           <p:cNvSpPr/>
           <p:nvPr>
             <p:ph idx="2" type="sldImg"/>
@@ -707,8 +709,8 @@
         </p:nvSpPr>
         <p:spPr>
           <a:xfrm>
-            <a:off x="381300" y="685800"/>
-            <a:ext cx="6096000" cy="3429000"/>
+            <a:off x="381187" y="685800"/>
+            <a:ext cx="6096299" cy="3429000"/>
           </a:xfrm>
           <a:custGeom>
             <a:pathLst>
@@ -733,7 +735,7 @@
       </p:sp>
       <p:sp>
         <p:nvSpPr>
-          <p:cNvPr id="152" name="Shape 152"/>
+          <p:cNvPr id="156" name="Shape 156"/>
           <p:cNvSpPr txBox="1"/>
           <p:nvPr>
             <p:ph idx="1" type="body"/>
@@ -742,7 +744,7 @@
         <p:spPr>
           <a:xfrm>
             <a:off x="685800" y="4343400"/>
-            <a:ext cx="5486399" cy="4114800"/>
+            <a:ext cx="5486400" cy="4114800"/>
           </a:xfrm>
           <a:prstGeom prst="rect">
             <a:avLst/>
@@ -780,7 +782,7 @@
   <p:cSld>
     <p:spTree>
       <p:nvGrpSpPr>
-        <p:cNvPr id="157" name="Shape 157"/>
+        <p:cNvPr id="162" name="Shape 162"/>
         <p:cNvGrpSpPr/>
         <p:nvPr/>
       </p:nvGrpSpPr>
@@ -794,7 +796,7 @@
       </p:grpSpPr>
       <p:sp>
         <p:nvSpPr>
-          <p:cNvPr id="158" name="Shape 158"/>
+          <p:cNvPr id="163" name="Shape 163"/>
           <p:cNvSpPr/>
           <p:nvPr>
             <p:ph idx="2" type="sldImg"/>
@@ -828,7 +830,7 @@
       </p:sp>
       <p:sp>
         <p:nvSpPr>
-          <p:cNvPr id="159" name="Shape 159"/>
+          <p:cNvPr id="164" name="Shape 164"/>
           <p:cNvSpPr txBox="1"/>
           <p:nvPr>
             <p:ph idx="1" type="body"/>
@@ -875,7 +877,7 @@
   <p:cSld>
     <p:spTree>
       <p:nvGrpSpPr>
-        <p:cNvPr id="164" name="Shape 164"/>
+        <p:cNvPr id="168" name="Shape 168"/>
         <p:cNvGrpSpPr/>
         <p:nvPr/>
       </p:nvGrpSpPr>
@@ -889,7 +891,7 @@
       </p:grpSpPr>
       <p:sp>
         <p:nvSpPr>
-          <p:cNvPr id="165" name="Shape 165"/>
+          <p:cNvPr id="169" name="Shape 169"/>
           <p:cNvSpPr/>
           <p:nvPr>
             <p:ph idx="2" type="sldImg"/>
@@ -923,7 +925,197 @@
       </p:sp>
       <p:sp>
         <p:nvSpPr>
-          <p:cNvPr id="166" name="Shape 166"/>
+          <p:cNvPr id="170" name="Shape 170"/>
+          <p:cNvSpPr txBox="1"/>
+          <p:nvPr>
+            <p:ph idx="1" type="body"/>
+          </p:nvPr>
+        </p:nvSpPr>
+        <p:spPr>
+          <a:xfrm>
+            <a:off x="685800" y="4343400"/>
+            <a:ext cx="5486399" cy="4114800"/>
+          </a:xfrm>
+          <a:prstGeom prst="rect">
+            <a:avLst/>
+          </a:prstGeom>
+        </p:spPr>
+        <p:txBody>
+          <a:bodyPr anchorCtr="0" anchor="t" bIns="91425" lIns="91425" rIns="91425" tIns="91425">
+            <a:noAutofit/>
+          </a:bodyPr>
+          <a:lstStyle/>
+          <a:p>
+            <a:pPr lvl="0" rtl="0">
+              <a:spcBef>
+                <a:spcPts val="0"/>
+              </a:spcBef>
+              <a:buNone/>
+            </a:pPr>
+            <a:r>
+              <a:t/>
+            </a:r>
+            <a:endParaRPr/>
+          </a:p>
+        </p:txBody>
+      </p:sp>
+    </p:spTree>
+  </p:cSld>
+  <p:clrMapOvr>
+    <a:masterClrMapping/>
+  </p:clrMapOvr>
+</p:notes>
+</file>
+
+<file path=ppt/notesSlides/notesSlide15.xml><?xml version="1.0" encoding="utf-8"?>
+<p:notes xmlns:a="http://schemas.openxmlformats.org/drawingml/2006/main" xmlns:r="http://schemas.openxmlformats.org/officeDocument/2006/relationships" xmlns:mc="http://schemas.openxmlformats.org/markup-compatibility/2006" xmlns:mv="urn:schemas-microsoft-com:mac:vml" xmlns:p="http://schemas.openxmlformats.org/presentationml/2006/main" xmlns:c="http://schemas.openxmlformats.org/drawingml/2006/chart" xmlns:dgm="http://schemas.openxmlformats.org/drawingml/2006/diagram" xmlns:o="urn:schemas-microsoft-com:office:office" xmlns:v="urn:schemas-microsoft-com:vml" xmlns:pvml="urn:schemas-microsoft-com:office:powerpoint" xmlns:com="http://schemas.openxmlformats.org/drawingml/2006/compatibility" xmlns:p14="http://schemas.microsoft.com/office/powerpoint/2010/main" showMasterPhAnim="0" showMasterSp="0">
+  <p:cSld>
+    <p:spTree>
+      <p:nvGrpSpPr>
+        <p:cNvPr id="175" name="Shape 175"/>
+        <p:cNvGrpSpPr/>
+        <p:nvPr/>
+      </p:nvGrpSpPr>
+      <p:grpSpPr>
+        <a:xfrm>
+          <a:off x="0" y="0"/>
+          <a:ext cx="0" cy="0"/>
+          <a:chOff x="0" y="0"/>
+          <a:chExt cx="0" cy="0"/>
+        </a:xfrm>
+      </p:grpSpPr>
+      <p:sp>
+        <p:nvSpPr>
+          <p:cNvPr id="176" name="Shape 176"/>
+          <p:cNvSpPr/>
+          <p:nvPr>
+            <p:ph idx="2" type="sldImg"/>
+          </p:nvPr>
+        </p:nvSpPr>
+        <p:spPr>
+          <a:xfrm>
+            <a:off x="381300" y="685800"/>
+            <a:ext cx="6096000" cy="3429000"/>
+          </a:xfrm>
+          <a:custGeom>
+            <a:pathLst>
+              <a:path extrusionOk="0" h="120000" w="120000">
+                <a:moveTo>
+                  <a:pt x="0" y="0"/>
+                </a:moveTo>
+                <a:lnTo>
+                  <a:pt x="120000" y="0"/>
+                </a:lnTo>
+                <a:lnTo>
+                  <a:pt x="120000" y="120000"/>
+                </a:lnTo>
+                <a:lnTo>
+                  <a:pt x="0" y="120000"/>
+                </a:lnTo>
+                <a:close/>
+              </a:path>
+            </a:pathLst>
+          </a:custGeom>
+        </p:spPr>
+      </p:sp>
+      <p:sp>
+        <p:nvSpPr>
+          <p:cNvPr id="177" name="Shape 177"/>
+          <p:cNvSpPr txBox="1"/>
+          <p:nvPr>
+            <p:ph idx="1" type="body"/>
+          </p:nvPr>
+        </p:nvSpPr>
+        <p:spPr>
+          <a:xfrm>
+            <a:off x="685800" y="4343400"/>
+            <a:ext cx="5486399" cy="4114800"/>
+          </a:xfrm>
+          <a:prstGeom prst="rect">
+            <a:avLst/>
+          </a:prstGeom>
+        </p:spPr>
+        <p:txBody>
+          <a:bodyPr anchorCtr="0" anchor="t" bIns="91425" lIns="91425" rIns="91425" tIns="91425">
+            <a:noAutofit/>
+          </a:bodyPr>
+          <a:lstStyle/>
+          <a:p>
+            <a:pPr lvl="0" rtl="0">
+              <a:spcBef>
+                <a:spcPts val="0"/>
+              </a:spcBef>
+              <a:buNone/>
+            </a:pPr>
+            <a:r>
+              <a:t/>
+            </a:r>
+            <a:endParaRPr/>
+          </a:p>
+        </p:txBody>
+      </p:sp>
+    </p:spTree>
+  </p:cSld>
+  <p:clrMapOvr>
+    <a:masterClrMapping/>
+  </p:clrMapOvr>
+</p:notes>
+</file>
+
+<file path=ppt/notesSlides/notesSlide16.xml><?xml version="1.0" encoding="utf-8"?>
+<p:notes xmlns:a="http://schemas.openxmlformats.org/drawingml/2006/main" xmlns:r="http://schemas.openxmlformats.org/officeDocument/2006/relationships" xmlns:mc="http://schemas.openxmlformats.org/markup-compatibility/2006" xmlns:mv="urn:schemas-microsoft-com:mac:vml" xmlns:p="http://schemas.openxmlformats.org/presentationml/2006/main" xmlns:c="http://schemas.openxmlformats.org/drawingml/2006/chart" xmlns:dgm="http://schemas.openxmlformats.org/drawingml/2006/diagram" xmlns:o="urn:schemas-microsoft-com:office:office" xmlns:v="urn:schemas-microsoft-com:vml" xmlns:pvml="urn:schemas-microsoft-com:office:powerpoint" xmlns:com="http://schemas.openxmlformats.org/drawingml/2006/compatibility" xmlns:p14="http://schemas.microsoft.com/office/powerpoint/2010/main" showMasterPhAnim="0" showMasterSp="0">
+  <p:cSld>
+    <p:spTree>
+      <p:nvGrpSpPr>
+        <p:cNvPr id="182" name="Shape 182"/>
+        <p:cNvGrpSpPr/>
+        <p:nvPr/>
+      </p:nvGrpSpPr>
+      <p:grpSpPr>
+        <a:xfrm>
+          <a:off x="0" y="0"/>
+          <a:ext cx="0" cy="0"/>
+          <a:chOff x="0" y="0"/>
+          <a:chExt cx="0" cy="0"/>
+        </a:xfrm>
+      </p:grpSpPr>
+      <p:sp>
+        <p:nvSpPr>
+          <p:cNvPr id="183" name="Shape 183"/>
+          <p:cNvSpPr/>
+          <p:nvPr>
+            <p:ph idx="2" type="sldImg"/>
+          </p:nvPr>
+        </p:nvSpPr>
+        <p:spPr>
+          <a:xfrm>
+            <a:off x="381300" y="685800"/>
+            <a:ext cx="6096000" cy="3429000"/>
+          </a:xfrm>
+          <a:custGeom>
+            <a:pathLst>
+              <a:path extrusionOk="0" h="120000" w="120000">
+                <a:moveTo>
+                  <a:pt x="0" y="0"/>
+                </a:moveTo>
+                <a:lnTo>
+                  <a:pt x="120000" y="0"/>
+                </a:lnTo>
+                <a:lnTo>
+                  <a:pt x="120000" y="120000"/>
+                </a:lnTo>
+                <a:lnTo>
+                  <a:pt x="0" y="120000"/>
+                </a:lnTo>
+                <a:close/>
+              </a:path>
+            </a:pathLst>
+          </a:custGeom>
+        </p:spPr>
+      </p:sp>
+      <p:sp>
+        <p:nvSpPr>
+          <p:cNvPr id="184" name="Shape 184"/>
           <p:cNvSpPr txBox="1"/>
           <p:nvPr>
             <p:ph idx="1" type="body"/>
@@ -1156,6 +1348,32 @@
                 <a:cs typeface="Lato"/>
                 <a:sym typeface="Lato"/>
               </a:rPr>
+              <a:t>Attributes contained practical information about  the restaurant environment and features.</a:t>
+            </a:r>
+          </a:p>
+          <a:p>
+            <a:pPr indent="0" lvl="0" marL="0" rtl="0">
+              <a:lnSpc>
+                <a:spcPct val="115000"/>
+              </a:lnSpc>
+              <a:spcBef>
+                <a:spcPts val="0"/>
+              </a:spcBef>
+              <a:spcAft>
+                <a:spcPts val="1600"/>
+              </a:spcAft>
+              <a:buNone/>
+            </a:pPr>
+            <a:r>
+              <a:rPr lang="en" sz="1800">
+                <a:solidFill>
+                  <a:schemeClr val="dk2"/>
+                </a:solidFill>
+                <a:latin typeface="Lato"/>
+                <a:ea typeface="Lato"/>
+                <a:cs typeface="Lato"/>
+                <a:sym typeface="Lato"/>
+              </a:rPr>
               <a:t>We had ratings and text data from reviews from which we could derive informative relations between restaurants. </a:t>
             </a:r>
           </a:p>
@@ -1528,7 +1746,7 @@
         <p:spPr>
           <a:xfrm>
             <a:off x="685800" y="4343400"/>
-            <a:ext cx="5486399" cy="4114800"/>
+            <a:ext cx="5486400" cy="4114800"/>
           </a:xfrm>
           <a:prstGeom prst="rect">
             <a:avLst/>
@@ -1547,9 +1765,9 @@
               <a:buNone/>
             </a:pPr>
             <a:r>
-              <a:t/>
-            </a:r>
-            <a:endParaRPr/>
+              <a:rPr lang="en"/>
+              <a:t>Item-item similarity is computed by looking into co-rated items only. In case of items i and j the similarity si,j is computed by looking into them. Note: each of these co-rated pairs are obtained from different users, in this example they come from users 1, u and m-1</a:t>
+            </a:r>
           </a:p>
         </p:txBody>
       </p:sp>
@@ -1566,7 +1784,7 @@
   <p:cSld>
     <p:spTree>
       <p:nvGrpSpPr>
-        <p:cNvPr id="119" name="Shape 119"/>
+        <p:cNvPr id="123" name="Shape 123"/>
         <p:cNvGrpSpPr/>
         <p:nvPr/>
       </p:nvGrpSpPr>
@@ -1580,7 +1798,7 @@
       </p:grpSpPr>
       <p:sp>
         <p:nvSpPr>
-          <p:cNvPr id="120" name="Shape 120"/>
+          <p:cNvPr id="124" name="Shape 124"/>
           <p:cNvSpPr/>
           <p:nvPr>
             <p:ph idx="2" type="sldImg"/>
@@ -1614,7 +1832,7 @@
       </p:sp>
       <p:sp>
         <p:nvSpPr>
-          <p:cNvPr id="121" name="Shape 121"/>
+          <p:cNvPr id="125" name="Shape 125"/>
           <p:cNvSpPr txBox="1"/>
           <p:nvPr>
             <p:ph idx="1" type="body"/>
@@ -1623,7 +1841,7 @@
         <p:spPr>
           <a:xfrm>
             <a:off x="685800" y="4343400"/>
-            <a:ext cx="5486399" cy="4114800"/>
+            <a:ext cx="5486400" cy="4114800"/>
           </a:xfrm>
           <a:prstGeom prst="rect">
             <a:avLst/>
@@ -1683,8 +1901,8 @@
         </p:nvSpPr>
         <p:spPr>
           <a:xfrm>
-            <a:off x="381187" y="685800"/>
-            <a:ext cx="6096299" cy="3429000"/>
+            <a:off x="381300" y="685800"/>
+            <a:ext cx="6096000" cy="3429000"/>
           </a:xfrm>
           <a:custGeom>
             <a:pathLst>
@@ -1718,7 +1936,7 @@
         <p:spPr>
           <a:xfrm>
             <a:off x="685800" y="4343400"/>
-            <a:ext cx="5486399" cy="4114800"/>
+            <a:ext cx="5486400" cy="4114800"/>
           </a:xfrm>
           <a:prstGeom prst="rect">
             <a:avLst/>
@@ -6137,16 +6355,9 @@
 <file path=ppt/slides/slide10.xml><?xml version="1.0" encoding="utf-8"?>
 <p:sld xmlns:a="http://schemas.openxmlformats.org/drawingml/2006/main" xmlns:r="http://schemas.openxmlformats.org/officeDocument/2006/relationships" xmlns:mc="http://schemas.openxmlformats.org/markup-compatibility/2006" xmlns:mv="urn:schemas-microsoft-com:mac:vml" xmlns:p="http://schemas.openxmlformats.org/presentationml/2006/main" xmlns:c="http://schemas.openxmlformats.org/drawingml/2006/chart" xmlns:dgm="http://schemas.openxmlformats.org/drawingml/2006/diagram" xmlns:o="urn:schemas-microsoft-com:office:office" xmlns:v="urn:schemas-microsoft-com:vml" xmlns:pvml="urn:schemas-microsoft-com:office:powerpoint" xmlns:com="http://schemas.openxmlformats.org/drawingml/2006/compatibility" xmlns:p14="http://schemas.microsoft.com/office/powerpoint/2010/main">
   <p:cSld>
-    <p:bg>
-      <p:bgPr>
-        <a:solidFill>
-          <a:schemeClr val="lt1"/>
-        </a:solidFill>
-      </p:bgPr>
-    </p:bg>
     <p:spTree>
       <p:nvGrpSpPr>
-        <p:cNvPr id="139" name="Shape 139"/>
+        <p:cNvPr id="140" name="Shape 140"/>
         <p:cNvGrpSpPr/>
         <p:nvPr/>
       </p:nvGrpSpPr>
@@ -6160,20 +6371,63 @@
       </p:grpSpPr>
       <p:sp>
         <p:nvSpPr>
-          <p:cNvPr id="140" name="Shape 140"/>
+          <p:cNvPr id="141" name="Shape 141"/>
           <p:cNvSpPr txBox="1"/>
           <p:nvPr>
-            <p:ph idx="1" type="subTitle"/>
+            <p:ph type="title"/>
           </p:nvPr>
         </p:nvSpPr>
         <p:spPr>
           <a:xfrm>
-            <a:off x="237300" y="77800"/>
-            <a:ext cx="4155900" cy="2423100"/>
+            <a:off x="214925" y="268275"/>
+            <a:ext cx="8620500" cy="1019700"/>
           </a:xfrm>
           <a:prstGeom prst="rect">
             <a:avLst/>
           </a:prstGeom>
+        </p:spPr>
+        <p:txBody>
+          <a:bodyPr anchorCtr="0" anchor="t" bIns="91425" lIns="91425" rIns="91425" tIns="91425">
+            <a:noAutofit/>
+          </a:bodyPr>
+          <a:lstStyle/>
+          <a:p>
+            <a:pPr lvl="0" rtl="0">
+              <a:spcBef>
+                <a:spcPts val="0"/>
+              </a:spcBef>
+              <a:buNone/>
+            </a:pPr>
+            <a:r>
+              <a:rPr lang="en"/>
+              <a:t>Content Based Recommendation</a:t>
+            </a:r>
+          </a:p>
+        </p:txBody>
+      </p:sp>
+      <p:sp>
+        <p:nvSpPr>
+          <p:cNvPr id="142" name="Shape 142"/>
+          <p:cNvSpPr/>
+          <p:nvPr/>
+        </p:nvSpPr>
+        <p:spPr>
+          <a:xfrm>
+            <a:off x="371750" y="2158000"/>
+            <a:ext cx="2629500" cy="1418100"/>
+          </a:xfrm>
+          <a:prstGeom prst="wedgeRectCallout">
+            <a:avLst>
+              <a:gd fmla="val -20833" name="adj1"/>
+              <a:gd fmla="val 62500" name="adj2"/>
+            </a:avLst>
+          </a:prstGeom>
+          <a:solidFill>
+            <a:schemeClr val="accent2"/>
+          </a:solidFill>
+          <a:ln>
+            <a:noFill/>
+          </a:ln>
         </p:spPr>
         <p:txBody>
           <a:bodyPr anchorCtr="0" anchor="ctr" bIns="91425" lIns="91425" rIns="91425" tIns="91425">
@@ -6181,81 +6435,42 @@
           </a:bodyPr>
           <a:lstStyle/>
           <a:p>
-            <a:pPr lvl="0" rtl="0" algn="l">
-              <a:lnSpc>
-                <a:spcPct val="115000"/>
-              </a:lnSpc>
-              <a:spcBef>
-                <a:spcPts val="0"/>
-              </a:spcBef>
-              <a:spcAft>
-                <a:spcPts val="1600"/>
-              </a:spcAft>
-              <a:buNone/>
-            </a:pPr>
-            <a:r>
-              <a:rPr b="1" lang="en" sz="3000">
-                <a:solidFill>
-                  <a:schemeClr val="dk1"/>
-                </a:solidFill>
-              </a:rPr>
-              <a:t>Category Data</a:t>
-            </a:r>
-          </a:p>
-          <a:p>
-            <a:pPr indent="0" lvl="0" marL="0" rtl="0" algn="l">
-              <a:lnSpc>
-                <a:spcPct val="115000"/>
-              </a:lnSpc>
-              <a:spcBef>
-                <a:spcPts val="0"/>
-              </a:spcBef>
-              <a:spcAft>
-                <a:spcPts val="1600"/>
-              </a:spcAft>
-              <a:buNone/>
-            </a:pPr>
-            <a:r>
-              <a:rPr lang="en"/>
-              <a:t>Hundreds of categories.</a:t>
-            </a:r>
-          </a:p>
-          <a:p>
-            <a:pPr indent="0" lvl="0" marL="0" rtl="0" algn="l">
-              <a:lnSpc>
-                <a:spcPct val="115000"/>
-              </a:lnSpc>
-              <a:spcBef>
-                <a:spcPts val="0"/>
-              </a:spcBef>
-              <a:spcAft>
-                <a:spcPts val="1600"/>
-              </a:spcAft>
-              <a:buNone/>
-            </a:pPr>
-            <a:r>
-              <a:rPr lang="en"/>
-              <a:t>Binarized and analyzed as pre-processed text data using cosine similarity</a:t>
-            </a:r>
+            <a:pPr lvl="0">
+              <a:spcBef>
+                <a:spcPts val="0"/>
+              </a:spcBef>
+              <a:buNone/>
+            </a:pPr>
+            <a:r>
+              <a:t/>
+            </a:r>
+            <a:endParaRPr/>
           </a:p>
         </p:txBody>
       </p:sp>
       <p:sp>
         <p:nvSpPr>
-          <p:cNvPr id="141" name="Shape 141"/>
-          <p:cNvSpPr txBox="1"/>
-          <p:nvPr>
-            <p:ph idx="2" type="body"/>
-          </p:nvPr>
+          <p:cNvPr id="143" name="Shape 143"/>
+          <p:cNvSpPr/>
+          <p:nvPr/>
         </p:nvSpPr>
         <p:spPr>
           <a:xfrm>
-            <a:off x="305825" y="2820925"/>
-            <a:ext cx="4087500" cy="2100300"/>
-          </a:xfrm>
-          <a:prstGeom prst="rect">
-            <a:avLst/>
-          </a:prstGeom>
+            <a:off x="3210432" y="1988900"/>
+            <a:ext cx="2629500" cy="2244900"/>
+          </a:xfrm>
+          <a:prstGeom prst="wedgeRectCallout">
+            <a:avLst>
+              <a:gd fmla="val -20833" name="adj1"/>
+              <a:gd fmla="val 62500" name="adj2"/>
+            </a:avLst>
+          </a:prstGeom>
+          <a:solidFill>
+            <a:schemeClr val="accent5"/>
+          </a:solidFill>
+          <a:ln>
+            <a:noFill/>
+          </a:ln>
         </p:spPr>
         <p:txBody>
           <a:bodyPr anchorCtr="0" anchor="ctr" bIns="91425" lIns="91425" rIns="91425" tIns="91425">
@@ -6263,125 +6478,277 @@
           </a:bodyPr>
           <a:lstStyle/>
           <a:p>
-            <a:pPr lvl="0" rtl="0" algn="l">
-              <a:lnSpc>
-                <a:spcPct val="115000"/>
-              </a:lnSpc>
-              <a:spcBef>
-                <a:spcPts val="0"/>
-              </a:spcBef>
-              <a:spcAft>
-                <a:spcPts val="1600"/>
-              </a:spcAft>
-              <a:buNone/>
-            </a:pPr>
-            <a:r>
-              <a:rPr b="1" lang="en" sz="3000">
-                <a:solidFill>
-                  <a:schemeClr val="dk1"/>
-                </a:solidFill>
-              </a:rPr>
-              <a:t>Attribute</a:t>
-            </a:r>
-            <a:r>
-              <a:rPr b="1" lang="en" sz="3000">
-                <a:solidFill>
-                  <a:schemeClr val="dk1"/>
-                </a:solidFill>
-              </a:rPr>
-              <a:t> Data</a:t>
-            </a:r>
-          </a:p>
-          <a:p>
-            <a:pPr lvl="0" rtl="0">
-              <a:spcBef>
-                <a:spcPts val="0"/>
-              </a:spcBef>
-              <a:buNone/>
-            </a:pPr>
-            <a:r>
-              <a:rPr lang="en" sz="2100">
-                <a:solidFill>
-                  <a:schemeClr val="dk2"/>
-                </a:solidFill>
-              </a:rPr>
-              <a:t>List of attributes about each restaurant.</a:t>
-            </a:r>
-          </a:p>
-          <a:p>
-            <a:pPr lvl="0" rtl="0">
-              <a:spcBef>
-                <a:spcPts val="0"/>
-              </a:spcBef>
-              <a:buNone/>
-            </a:pPr>
-            <a:r>
-              <a:rPr lang="en" sz="2100">
-                <a:solidFill>
-                  <a:schemeClr val="dk2"/>
-                </a:solidFill>
-              </a:rPr>
-              <a:t>Common length and structure made Euclidean distance an effective measurement.</a:t>
-            </a:r>
+            <a:pPr lvl="0">
+              <a:spcBef>
+                <a:spcPts val="0"/>
+              </a:spcBef>
+              <a:buNone/>
+            </a:pPr>
+            <a:r>
+              <a:t/>
+            </a:r>
+            <a:endParaRPr/>
           </a:p>
         </p:txBody>
       </p:sp>
-      <p:pic>
-        <p:nvPicPr>
-          <p:cNvPr id="142" name="Shape 142"/>
-          <p:cNvPicPr preferRelativeResize="0"/>
+      <p:sp>
+        <p:nvSpPr>
+          <p:cNvPr id="144" name="Shape 144"/>
+          <p:cNvSpPr/>
           <p:nvPr/>
-        </p:nvPicPr>
-        <p:blipFill>
-          <a:blip r:embed="rId3">
-            <a:alphaModFix/>
-          </a:blip>
-          <a:stretch>
-            <a:fillRect/>
-          </a:stretch>
-        </p:blipFill>
-        <p:spPr>
-          <a:xfrm>
-            <a:off x="4989475" y="46700"/>
-            <a:ext cx="3031475" cy="2528799"/>
-          </a:xfrm>
-          <a:prstGeom prst="rect">
-            <a:avLst/>
-          </a:prstGeom>
-          <a:noFill/>
+        </p:nvSpPr>
+        <p:spPr>
+          <a:xfrm>
+            <a:off x="6049100" y="1988900"/>
+            <a:ext cx="2629500" cy="1840800"/>
+          </a:xfrm>
+          <a:prstGeom prst="wedgeRectCallout">
+            <a:avLst>
+              <a:gd fmla="val -20833" name="adj1"/>
+              <a:gd fmla="val 62500" name="adj2"/>
+            </a:avLst>
+          </a:prstGeom>
+          <a:solidFill>
+            <a:schemeClr val="dk1"/>
+          </a:solidFill>
           <a:ln>
             <a:noFill/>
           </a:ln>
         </p:spPr>
-      </p:pic>
-      <p:pic>
-        <p:nvPicPr>
-          <p:cNvPr id="143" name="Shape 143"/>
-          <p:cNvPicPr preferRelativeResize="0"/>
-          <p:nvPr/>
-        </p:nvPicPr>
-        <p:blipFill>
-          <a:blip r:embed="rId4">
-            <a:alphaModFix/>
-          </a:blip>
-          <a:stretch>
-            <a:fillRect/>
-          </a:stretch>
-        </p:blipFill>
-        <p:spPr>
-          <a:xfrm>
-            <a:off x="5348850" y="2740974"/>
-            <a:ext cx="3043029" cy="2263200"/>
+        <p:txBody>
+          <a:bodyPr anchorCtr="0" anchor="ctr" bIns="91425" lIns="91425" rIns="91425" tIns="91425">
+            <a:noAutofit/>
+          </a:bodyPr>
+          <a:lstStyle/>
+          <a:p>
+            <a:pPr lvl="0">
+              <a:spcBef>
+                <a:spcPts val="0"/>
+              </a:spcBef>
+              <a:buNone/>
+            </a:pPr>
+            <a:r>
+              <a:t/>
+            </a:r>
+            <a:endParaRPr/>
+          </a:p>
+        </p:txBody>
+      </p:sp>
+      <p:sp>
+        <p:nvSpPr>
+          <p:cNvPr id="145" name="Shape 145"/>
+          <p:cNvSpPr txBox="1"/>
+          <p:nvPr>
+            <p:ph type="title"/>
+          </p:nvPr>
+        </p:nvSpPr>
+        <p:spPr>
+          <a:xfrm>
+            <a:off x="6125275" y="2061900"/>
+            <a:ext cx="2481600" cy="2005800"/>
           </a:xfrm>
           <a:prstGeom prst="rect">
             <a:avLst/>
           </a:prstGeom>
-          <a:noFill/>
-          <a:ln>
-            <a:noFill/>
-          </a:ln>
-        </p:spPr>
-      </p:pic>
+        </p:spPr>
+        <p:txBody>
+          <a:bodyPr anchorCtr="0" anchor="t" bIns="91425" lIns="91425" rIns="91425" tIns="91425">
+            <a:noAutofit/>
+          </a:bodyPr>
+          <a:lstStyle/>
+          <a:p>
+            <a:pPr lvl="0" rtl="0">
+              <a:spcBef>
+                <a:spcPts val="0"/>
+              </a:spcBef>
+              <a:spcAft>
+                <a:spcPts val="1200"/>
+              </a:spcAft>
+              <a:buNone/>
+            </a:pPr>
+            <a:r>
+              <a:rPr lang="en" sz="2100"/>
+              <a:t>Attribute Data:</a:t>
+            </a:r>
+          </a:p>
+          <a:p>
+            <a:pPr lvl="0" rtl="0">
+              <a:spcBef>
+                <a:spcPts val="0"/>
+              </a:spcBef>
+              <a:spcAft>
+                <a:spcPts val="1200"/>
+              </a:spcAft>
+              <a:buNone/>
+            </a:pPr>
+            <a:r>
+              <a:rPr lang="en" sz="2100"/>
+              <a:t>Binary Information about Features.</a:t>
+            </a:r>
+          </a:p>
+        </p:txBody>
+      </p:sp>
+      <p:sp>
+        <p:nvSpPr>
+          <p:cNvPr id="146" name="Shape 146"/>
+          <p:cNvSpPr txBox="1"/>
+          <p:nvPr>
+            <p:ph type="title"/>
+          </p:nvPr>
+        </p:nvSpPr>
+        <p:spPr>
+          <a:xfrm>
+            <a:off x="371775" y="2290500"/>
+            <a:ext cx="2481600" cy="2005800"/>
+          </a:xfrm>
+          <a:prstGeom prst="rect">
+            <a:avLst/>
+          </a:prstGeom>
+        </p:spPr>
+        <p:txBody>
+          <a:bodyPr anchorCtr="0" anchor="t" bIns="91425" lIns="91425" rIns="91425" tIns="91425">
+            <a:noAutofit/>
+          </a:bodyPr>
+          <a:lstStyle/>
+          <a:p>
+            <a:pPr lvl="0" rtl="0">
+              <a:spcBef>
+                <a:spcPts val="0"/>
+              </a:spcBef>
+              <a:spcAft>
+                <a:spcPts val="1200"/>
+              </a:spcAft>
+              <a:buNone/>
+            </a:pPr>
+            <a:r>
+              <a:rPr lang="en" sz="2100"/>
+              <a:t>Review Text:</a:t>
+            </a:r>
+          </a:p>
+          <a:p>
+            <a:pPr lvl="0" rtl="0">
+              <a:spcBef>
+                <a:spcPts val="0"/>
+              </a:spcBef>
+              <a:spcAft>
+                <a:spcPts val="1200"/>
+              </a:spcAft>
+              <a:buNone/>
+            </a:pPr>
+            <a:r>
+              <a:rPr lang="en" sz="2100"/>
+              <a:t>TF IDF</a:t>
+            </a:r>
+          </a:p>
+          <a:p>
+            <a:pPr lvl="0" rtl="0">
+              <a:spcBef>
+                <a:spcPts val="0"/>
+              </a:spcBef>
+              <a:spcAft>
+                <a:spcPts val="1200"/>
+              </a:spcAft>
+              <a:buNone/>
+            </a:pPr>
+            <a:r>
+              <a:t/>
+            </a:r>
+            <a:endParaRPr sz="1400">
+              <a:solidFill>
+                <a:schemeClr val="lt1"/>
+              </a:solidFill>
+            </a:endParaRPr>
+          </a:p>
+        </p:txBody>
+      </p:sp>
+      <p:sp>
+        <p:nvSpPr>
+          <p:cNvPr id="147" name="Shape 147"/>
+          <p:cNvSpPr txBox="1"/>
+          <p:nvPr>
+            <p:ph type="title"/>
+          </p:nvPr>
+        </p:nvSpPr>
+        <p:spPr>
+          <a:xfrm>
+            <a:off x="3286625" y="2138100"/>
+            <a:ext cx="2481600" cy="2005800"/>
+          </a:xfrm>
+          <a:prstGeom prst="rect">
+            <a:avLst/>
+          </a:prstGeom>
+        </p:spPr>
+        <p:txBody>
+          <a:bodyPr anchorCtr="0" anchor="t" bIns="91425" lIns="91425" rIns="91425" tIns="91425">
+            <a:noAutofit/>
+          </a:bodyPr>
+          <a:lstStyle/>
+          <a:p>
+            <a:pPr lvl="0" rtl="0">
+              <a:spcBef>
+                <a:spcPts val="0"/>
+              </a:spcBef>
+              <a:spcAft>
+                <a:spcPts val="1200"/>
+              </a:spcAft>
+              <a:buNone/>
+            </a:pPr>
+            <a:r>
+              <a:rPr lang="en" sz="2100"/>
+              <a:t>Category Data:</a:t>
+            </a:r>
+          </a:p>
+          <a:p>
+            <a:pPr lvl="0" rtl="0">
+              <a:spcBef>
+                <a:spcPts val="0"/>
+              </a:spcBef>
+              <a:spcAft>
+                <a:spcPts val="1200"/>
+              </a:spcAft>
+              <a:buNone/>
+            </a:pPr>
+            <a:r>
+              <a:rPr lang="en" sz="2100"/>
+              <a:t>Euclidean</a:t>
+            </a:r>
+          </a:p>
+          <a:p>
+            <a:pPr lvl="0" rtl="0">
+              <a:spcBef>
+                <a:spcPts val="0"/>
+              </a:spcBef>
+              <a:spcAft>
+                <a:spcPts val="1200"/>
+              </a:spcAft>
+              <a:buNone/>
+            </a:pPr>
+            <a:r>
+              <a:rPr lang="en" sz="2100"/>
+              <a:t>Distance</a:t>
+            </a:r>
+          </a:p>
+          <a:p>
+            <a:pPr lvl="0" rtl="0">
+              <a:spcBef>
+                <a:spcPts val="0"/>
+              </a:spcBef>
+              <a:spcAft>
+                <a:spcPts val="1200"/>
+              </a:spcAft>
+              <a:buNone/>
+            </a:pPr>
+            <a:r>
+              <a:t/>
+            </a:r>
+            <a:endParaRPr b="0" sz="1400">
+              <a:solidFill>
+                <a:schemeClr val="lt1"/>
+              </a:solidFill>
+            </a:endParaRPr>
+          </a:p>
+        </p:txBody>
+      </p:sp>
     </p:spTree>
   </p:cSld>
   <p:clrMapOvr>
@@ -6393,9 +6760,16 @@
 <file path=ppt/slides/slide11.xml><?xml version="1.0" encoding="utf-8"?>
 <p:sld xmlns:a="http://schemas.openxmlformats.org/drawingml/2006/main" xmlns:r="http://schemas.openxmlformats.org/officeDocument/2006/relationships" xmlns:mc="http://schemas.openxmlformats.org/markup-compatibility/2006" xmlns:mv="urn:schemas-microsoft-com:mac:vml" xmlns:p="http://schemas.openxmlformats.org/presentationml/2006/main" xmlns:c="http://schemas.openxmlformats.org/drawingml/2006/chart" xmlns:dgm="http://schemas.openxmlformats.org/drawingml/2006/diagram" xmlns:o="urn:schemas-microsoft-com:office:office" xmlns:v="urn:schemas-microsoft-com:vml" xmlns:pvml="urn:schemas-microsoft-com:office:powerpoint" xmlns:com="http://schemas.openxmlformats.org/drawingml/2006/compatibility" xmlns:p14="http://schemas.microsoft.com/office/powerpoint/2010/main">
   <p:cSld>
+    <p:bg>
+      <p:bgPr>
+        <a:solidFill>
+          <a:schemeClr val="lt1"/>
+        </a:solidFill>
+      </p:bgPr>
+    </p:bg>
     <p:spTree>
       <p:nvGrpSpPr>
-        <p:cNvPr id="147" name="Shape 147"/>
+        <p:cNvPr id="151" name="Shape 151"/>
         <p:cNvGrpSpPr/>
         <p:nvPr/>
       </p:nvGrpSpPr>
@@ -6409,16 +6783,16 @@
       </p:grpSpPr>
       <p:sp>
         <p:nvSpPr>
-          <p:cNvPr id="148" name="Shape 148"/>
+          <p:cNvPr id="152" name="Shape 152"/>
           <p:cNvSpPr txBox="1"/>
           <p:nvPr>
-            <p:ph type="title"/>
+            <p:ph idx="1" type="subTitle"/>
           </p:nvPr>
         </p:nvSpPr>
         <p:spPr>
           <a:xfrm>
-            <a:off x="505725" y="348175"/>
-            <a:ext cx="5683800" cy="1166400"/>
+            <a:off x="83400" y="1052275"/>
+            <a:ext cx="4490100" cy="3938400"/>
           </a:xfrm>
           <a:prstGeom prst="rect">
             <a:avLst/>
@@ -6431,40 +6805,172 @@
           <a:lstStyle/>
           <a:p>
             <a:pPr lvl="0" rtl="0" algn="l">
-              <a:spcBef>
-                <a:spcPts val="0"/>
-              </a:spcBef>
-              <a:buNone/>
-            </a:pPr>
-            <a:r>
-              <a:rPr lang="en" sz="3400">
-                <a:solidFill>
-                  <a:srgbClr val="FFFFFF"/>
+              <a:lnSpc>
+                <a:spcPct val="115000"/>
+              </a:lnSpc>
+              <a:spcBef>
+                <a:spcPts val="0"/>
+              </a:spcBef>
+              <a:spcAft>
+                <a:spcPts val="1600"/>
+              </a:spcAft>
+              <a:buNone/>
+            </a:pPr>
+            <a:r>
+              <a:rPr b="1" lang="en" sz="3000">
+                <a:solidFill>
+                  <a:schemeClr val="dk1"/>
                 </a:solidFill>
               </a:rPr>
-              <a:t>Results were… Good?</a:t>
-            </a:r>
-            <a:r>
-              <a:rPr lang="en" sz="3400">
-                <a:solidFill>
-                  <a:schemeClr val="lt2"/>
-                </a:solidFill>
-              </a:rPr>
-              <a:t>ood?</a:t>
-            </a:r>
+              <a:t>Text Data</a:t>
+            </a:r>
+          </a:p>
+          <a:p>
+            <a:pPr lvl="0" rtl="0" algn="l">
+              <a:lnSpc>
+                <a:spcPct val="115000"/>
+              </a:lnSpc>
+              <a:spcBef>
+                <a:spcPts val="0"/>
+              </a:spcBef>
+              <a:spcAft>
+                <a:spcPts val="1600"/>
+              </a:spcAft>
+              <a:buNone/>
+            </a:pPr>
+            <a:r>
+              <a:rPr lang="en"/>
+              <a:t>Remove numbers, punctuation and stop-words using NLTK.</a:t>
+            </a:r>
+          </a:p>
+          <a:p>
+            <a:pPr indent="0" lvl="0" marL="0" rtl="0" algn="l">
+              <a:lnSpc>
+                <a:spcPct val="115000"/>
+              </a:lnSpc>
+              <a:spcBef>
+                <a:spcPts val="0"/>
+              </a:spcBef>
+              <a:spcAft>
+                <a:spcPts val="1600"/>
+              </a:spcAft>
+              <a:buNone/>
+            </a:pPr>
+            <a:r>
+              <a:rPr lang="en"/>
+              <a:t>Stem and Lemmatize to recognize semantically identical words.</a:t>
+            </a:r>
+          </a:p>
+          <a:p>
+            <a:pPr indent="457200" lvl="0" marL="0" rtl="0" algn="l">
+              <a:lnSpc>
+                <a:spcPct val="115000"/>
+              </a:lnSpc>
+              <a:spcBef>
+                <a:spcPts val="0"/>
+              </a:spcBef>
+              <a:spcAft>
+                <a:spcPts val="1600"/>
+              </a:spcAft>
+              <a:buNone/>
+            </a:pPr>
+            <a:r>
+              <a:rPr lang="en"/>
+              <a:t>Having to Hav.</a:t>
+            </a:r>
+          </a:p>
+          <a:p>
+            <a:pPr indent="457200" lvl="0" marL="0" rtl="0" algn="l">
+              <a:lnSpc>
+                <a:spcPct val="115000"/>
+              </a:lnSpc>
+              <a:spcBef>
+                <a:spcPts val="0"/>
+              </a:spcBef>
+              <a:spcAft>
+                <a:spcPts val="1600"/>
+              </a:spcAft>
+              <a:buNone/>
+            </a:pPr>
+            <a:r>
+              <a:rPr lang="en"/>
+              <a:t>Am to be.</a:t>
+            </a:r>
+          </a:p>
+          <a:p>
+            <a:pPr indent="0" lvl="0" marL="0" rtl="0" algn="l">
+              <a:lnSpc>
+                <a:spcPct val="115000"/>
+              </a:lnSpc>
+              <a:spcBef>
+                <a:spcPts val="0"/>
+              </a:spcBef>
+              <a:spcAft>
+                <a:spcPts val="1600"/>
+              </a:spcAft>
+              <a:buNone/>
+            </a:pPr>
+            <a:r>
+              <a:rPr lang="en"/>
+              <a:t>Extract top 1,000 words.</a:t>
+            </a:r>
+          </a:p>
+          <a:p>
+            <a:pPr indent="0" lvl="0" marL="0" rtl="0" algn="l">
+              <a:lnSpc>
+                <a:spcPct val="115000"/>
+              </a:lnSpc>
+              <a:spcBef>
+                <a:spcPts val="0"/>
+              </a:spcBef>
+              <a:spcAft>
+                <a:spcPts val="1600"/>
+              </a:spcAft>
+              <a:buNone/>
+            </a:pPr>
+            <a:r>
+              <a:rPr lang="en"/>
+              <a:t>SKLearn to vectorize and analyze similarity.</a:t>
+            </a:r>
+          </a:p>
+          <a:p>
+            <a:pPr indent="0" lvl="0" marL="0" rtl="0" algn="l">
+              <a:lnSpc>
+                <a:spcPct val="115000"/>
+              </a:lnSpc>
+              <a:spcBef>
+                <a:spcPts val="0"/>
+              </a:spcBef>
+              <a:spcAft>
+                <a:spcPts val="1600"/>
+              </a:spcAft>
+              <a:buNone/>
+            </a:pPr>
+            <a:r>
+              <a:t/>
+            </a:r>
+            <a:endParaRPr/>
           </a:p>
         </p:txBody>
       </p:sp>
-      <p:sp>
-        <p:nvSpPr>
-          <p:cNvPr id="149" name="Shape 149"/>
-          <p:cNvSpPr txBox="1"/>
+      <p:pic>
+        <p:nvPicPr>
+          <p:cNvPr id="153" name="Shape 153"/>
+          <p:cNvPicPr preferRelativeResize="0"/>
           <p:nvPr/>
-        </p:nvSpPr>
-        <p:spPr>
-          <a:xfrm>
-            <a:off x="608200" y="1522450"/>
-            <a:ext cx="7862400" cy="3190200"/>
+        </p:nvPicPr>
+        <p:blipFill>
+          <a:blip r:embed="rId3">
+            <a:alphaModFix/>
+          </a:blip>
+          <a:stretch>
+            <a:fillRect/>
+          </a:stretch>
+        </p:blipFill>
+        <p:spPr>
+          <a:xfrm>
+            <a:off x="4898650" y="1415175"/>
+            <a:ext cx="3864925" cy="2423150"/>
           </a:xfrm>
           <a:prstGeom prst="rect">
             <a:avLst/>
@@ -6474,125 +6980,7 @@
             <a:noFill/>
           </a:ln>
         </p:spPr>
-        <p:txBody>
-          <a:bodyPr anchorCtr="0" anchor="t" bIns="91425" lIns="91425" rIns="91425" tIns="91425">
-            <a:noAutofit/>
-          </a:bodyPr>
-          <a:lstStyle/>
-          <a:p>
-            <a:pPr lvl="0">
-              <a:spcBef>
-                <a:spcPts val="0"/>
-              </a:spcBef>
-              <a:buNone/>
-            </a:pPr>
-            <a:r>
-              <a:rPr lang="en" sz="1800">
-                <a:solidFill>
-                  <a:srgbClr val="F3F3F3"/>
-                </a:solidFill>
-              </a:rPr>
-              <a:t>At this point in time, we thought we were going to proceed to build machine learning models to decide which restaurants to recommend.</a:t>
-            </a:r>
-          </a:p>
-          <a:p>
-            <a:pPr lvl="0">
-              <a:spcBef>
-                <a:spcPts val="0"/>
-              </a:spcBef>
-              <a:buNone/>
-            </a:pPr>
-            <a:r>
-              <a:t/>
-            </a:r>
-            <a:endParaRPr sz="1800">
-              <a:solidFill>
-                <a:srgbClr val="F3F3F3"/>
-              </a:solidFill>
-            </a:endParaRPr>
-          </a:p>
-          <a:p>
-            <a:pPr lvl="0">
-              <a:spcBef>
-                <a:spcPts val="0"/>
-              </a:spcBef>
-              <a:buNone/>
-            </a:pPr>
-            <a:r>
-              <a:rPr lang="en" sz="1800">
-                <a:solidFill>
-                  <a:srgbClr val="F3F3F3"/>
-                </a:solidFill>
-              </a:rPr>
-              <a:t>That approach was fundamentally wrong.</a:t>
-            </a:r>
-          </a:p>
-          <a:p>
-            <a:pPr lvl="0">
-              <a:spcBef>
-                <a:spcPts val="0"/>
-              </a:spcBef>
-              <a:buNone/>
-            </a:pPr>
-            <a:r>
-              <a:t/>
-            </a:r>
-            <a:endParaRPr sz="1800">
-              <a:solidFill>
-                <a:srgbClr val="F3F3F3"/>
-              </a:solidFill>
-            </a:endParaRPr>
-          </a:p>
-          <a:p>
-            <a:pPr lvl="0">
-              <a:spcBef>
-                <a:spcPts val="0"/>
-              </a:spcBef>
-              <a:buNone/>
-            </a:pPr>
-            <a:r>
-              <a:rPr lang="en" sz="1800">
-                <a:solidFill>
-                  <a:srgbClr val="F3F3F3"/>
-                </a:solidFill>
-              </a:rPr>
-              <a:t>Pinpointing clusters of restaurants in a similar vector space does not meet our established objectives.</a:t>
-            </a:r>
-          </a:p>
-          <a:p>
-            <a:pPr lvl="0">
-              <a:spcBef>
-                <a:spcPts val="0"/>
-              </a:spcBef>
-              <a:buNone/>
-            </a:pPr>
-            <a:r>
-              <a:t/>
-            </a:r>
-            <a:endParaRPr sz="1800">
-              <a:solidFill>
-                <a:srgbClr val="F3F3F3"/>
-              </a:solidFill>
-            </a:endParaRPr>
-          </a:p>
-          <a:p>
-            <a:pPr lvl="0">
-              <a:spcBef>
-                <a:spcPts val="0"/>
-              </a:spcBef>
-              <a:buNone/>
-            </a:pPr>
-            <a:r>
-              <a:rPr lang="en" sz="1800">
-                <a:solidFill>
-                  <a:srgbClr val="F3F3F3"/>
-                </a:solidFill>
-              </a:rPr>
-              <a:t>Provided uninteresting homogenous results.</a:t>
-            </a:r>
-          </a:p>
-        </p:txBody>
-      </p:sp>
+      </p:pic>
     </p:spTree>
   </p:cSld>
   <p:clrMapOvr>
@@ -6607,13 +6995,480 @@
     <p:bg>
       <p:bgPr>
         <a:solidFill>
+          <a:schemeClr val="lt1"/>
+        </a:solidFill>
+      </p:bgPr>
+    </p:bg>
+    <p:spTree>
+      <p:nvGrpSpPr>
+        <p:cNvPr id="157" name="Shape 157"/>
+        <p:cNvGrpSpPr/>
+        <p:nvPr/>
+      </p:nvGrpSpPr>
+      <p:grpSpPr>
+        <a:xfrm>
+          <a:off x="0" y="0"/>
+          <a:ext cx="0" cy="0"/>
+          <a:chOff x="0" y="0"/>
+          <a:chExt cx="0" cy="0"/>
+        </a:xfrm>
+      </p:grpSpPr>
+      <p:sp>
+        <p:nvSpPr>
+          <p:cNvPr id="158" name="Shape 158"/>
+          <p:cNvSpPr txBox="1"/>
+          <p:nvPr>
+            <p:ph idx="1" type="subTitle"/>
+          </p:nvPr>
+        </p:nvSpPr>
+        <p:spPr>
+          <a:xfrm>
+            <a:off x="237300" y="77800"/>
+            <a:ext cx="4155900" cy="2423100"/>
+          </a:xfrm>
+          <a:prstGeom prst="rect">
+            <a:avLst/>
+          </a:prstGeom>
+        </p:spPr>
+        <p:txBody>
+          <a:bodyPr anchorCtr="0" anchor="ctr" bIns="91425" lIns="91425" rIns="91425" tIns="91425">
+            <a:noAutofit/>
+          </a:bodyPr>
+          <a:lstStyle/>
+          <a:p>
+            <a:pPr lvl="0" rtl="0" algn="l">
+              <a:lnSpc>
+                <a:spcPct val="115000"/>
+              </a:lnSpc>
+              <a:spcBef>
+                <a:spcPts val="0"/>
+              </a:spcBef>
+              <a:spcAft>
+                <a:spcPts val="1600"/>
+              </a:spcAft>
+              <a:buNone/>
+            </a:pPr>
+            <a:r>
+              <a:rPr b="1" lang="en" sz="3000">
+                <a:solidFill>
+                  <a:schemeClr val="dk1"/>
+                </a:solidFill>
+              </a:rPr>
+              <a:t>Category Data</a:t>
+            </a:r>
+          </a:p>
+          <a:p>
+            <a:pPr indent="0" lvl="0" marL="0" rtl="0" algn="l">
+              <a:lnSpc>
+                <a:spcPct val="115000"/>
+              </a:lnSpc>
+              <a:spcBef>
+                <a:spcPts val="0"/>
+              </a:spcBef>
+              <a:spcAft>
+                <a:spcPts val="1600"/>
+              </a:spcAft>
+              <a:buNone/>
+            </a:pPr>
+            <a:r>
+              <a:rPr lang="en"/>
+              <a:t>Hundreds of categories.</a:t>
+            </a:r>
+          </a:p>
+          <a:p>
+            <a:pPr indent="0" lvl="0" marL="0" rtl="0" algn="l">
+              <a:lnSpc>
+                <a:spcPct val="115000"/>
+              </a:lnSpc>
+              <a:spcBef>
+                <a:spcPts val="0"/>
+              </a:spcBef>
+              <a:spcAft>
+                <a:spcPts val="1600"/>
+              </a:spcAft>
+              <a:buNone/>
+            </a:pPr>
+            <a:r>
+              <a:rPr lang="en"/>
+              <a:t>Binarized and analyzed as pre-processed text data using cosine similarity</a:t>
+            </a:r>
+          </a:p>
+        </p:txBody>
+      </p:sp>
+      <p:sp>
+        <p:nvSpPr>
+          <p:cNvPr id="159" name="Shape 159"/>
+          <p:cNvSpPr txBox="1"/>
+          <p:nvPr>
+            <p:ph idx="2" type="body"/>
+          </p:nvPr>
+        </p:nvSpPr>
+        <p:spPr>
+          <a:xfrm>
+            <a:off x="305825" y="2820925"/>
+            <a:ext cx="4087500" cy="2100300"/>
+          </a:xfrm>
+          <a:prstGeom prst="rect">
+            <a:avLst/>
+          </a:prstGeom>
+        </p:spPr>
+        <p:txBody>
+          <a:bodyPr anchorCtr="0" anchor="ctr" bIns="91425" lIns="91425" rIns="91425" tIns="91425">
+            <a:noAutofit/>
+          </a:bodyPr>
+          <a:lstStyle/>
+          <a:p>
+            <a:pPr lvl="0" rtl="0" algn="l">
+              <a:lnSpc>
+                <a:spcPct val="115000"/>
+              </a:lnSpc>
+              <a:spcBef>
+                <a:spcPts val="0"/>
+              </a:spcBef>
+              <a:spcAft>
+                <a:spcPts val="1600"/>
+              </a:spcAft>
+              <a:buNone/>
+            </a:pPr>
+            <a:r>
+              <a:rPr b="1" lang="en" sz="3000">
+                <a:solidFill>
+                  <a:schemeClr val="dk1"/>
+                </a:solidFill>
+              </a:rPr>
+              <a:t>Attribute</a:t>
+            </a:r>
+            <a:r>
+              <a:rPr b="1" lang="en" sz="3000">
+                <a:solidFill>
+                  <a:schemeClr val="dk1"/>
+                </a:solidFill>
+              </a:rPr>
+              <a:t> Data</a:t>
+            </a:r>
+          </a:p>
+          <a:p>
+            <a:pPr lvl="0" rtl="0">
+              <a:spcBef>
+                <a:spcPts val="0"/>
+              </a:spcBef>
+              <a:buNone/>
+            </a:pPr>
+            <a:r>
+              <a:rPr lang="en" sz="2100">
+                <a:solidFill>
+                  <a:schemeClr val="dk2"/>
+                </a:solidFill>
+              </a:rPr>
+              <a:t>List of attributes about each restaurant.</a:t>
+            </a:r>
+          </a:p>
+          <a:p>
+            <a:pPr lvl="0" rtl="0">
+              <a:spcBef>
+                <a:spcPts val="0"/>
+              </a:spcBef>
+              <a:buNone/>
+            </a:pPr>
+            <a:r>
+              <a:rPr lang="en" sz="2100">
+                <a:solidFill>
+                  <a:schemeClr val="dk2"/>
+                </a:solidFill>
+              </a:rPr>
+              <a:t>Common length and structure made Euclidean distance an effective measurement.</a:t>
+            </a:r>
+          </a:p>
+        </p:txBody>
+      </p:sp>
+      <p:pic>
+        <p:nvPicPr>
+          <p:cNvPr id="160" name="Shape 160"/>
+          <p:cNvPicPr preferRelativeResize="0"/>
+          <p:nvPr/>
+        </p:nvPicPr>
+        <p:blipFill>
+          <a:blip r:embed="rId3">
+            <a:alphaModFix/>
+          </a:blip>
+          <a:stretch>
+            <a:fillRect/>
+          </a:stretch>
+        </p:blipFill>
+        <p:spPr>
+          <a:xfrm>
+            <a:off x="5065674" y="46700"/>
+            <a:ext cx="3031475" cy="2528799"/>
+          </a:xfrm>
+          <a:prstGeom prst="rect">
+            <a:avLst/>
+          </a:prstGeom>
+          <a:noFill/>
+          <a:ln>
+            <a:noFill/>
+          </a:ln>
+        </p:spPr>
+      </p:pic>
+      <p:pic>
+        <p:nvPicPr>
+          <p:cNvPr id="161" name="Shape 161"/>
+          <p:cNvPicPr preferRelativeResize="0"/>
+          <p:nvPr/>
+        </p:nvPicPr>
+        <p:blipFill>
+          <a:blip r:embed="rId4">
+            <a:alphaModFix/>
+          </a:blip>
+          <a:stretch>
+            <a:fillRect/>
+          </a:stretch>
+        </p:blipFill>
+        <p:spPr>
+          <a:xfrm>
+            <a:off x="5059900" y="2739474"/>
+            <a:ext cx="3043029" cy="2263200"/>
+          </a:xfrm>
+          <a:prstGeom prst="rect">
+            <a:avLst/>
+          </a:prstGeom>
+          <a:noFill/>
+          <a:ln>
+            <a:noFill/>
+          </a:ln>
+        </p:spPr>
+      </p:pic>
+    </p:spTree>
+  </p:cSld>
+  <p:clrMapOvr>
+    <a:masterClrMapping/>
+  </p:clrMapOvr>
+</p:sld>
+</file>
+
+<file path=ppt/slides/slide13.xml><?xml version="1.0" encoding="utf-8"?>
+<p:sld xmlns:a="http://schemas.openxmlformats.org/drawingml/2006/main" xmlns:r="http://schemas.openxmlformats.org/officeDocument/2006/relationships" xmlns:mc="http://schemas.openxmlformats.org/markup-compatibility/2006" xmlns:mv="urn:schemas-microsoft-com:mac:vml" xmlns:p="http://schemas.openxmlformats.org/presentationml/2006/main" xmlns:c="http://schemas.openxmlformats.org/drawingml/2006/chart" xmlns:dgm="http://schemas.openxmlformats.org/drawingml/2006/diagram" xmlns:o="urn:schemas-microsoft-com:office:office" xmlns:v="urn:schemas-microsoft-com:vml" xmlns:pvml="urn:schemas-microsoft-com:office:powerpoint" xmlns:com="http://schemas.openxmlformats.org/drawingml/2006/compatibility" xmlns:p14="http://schemas.microsoft.com/office/powerpoint/2010/main">
+  <p:cSld>
+    <p:spTree>
+      <p:nvGrpSpPr>
+        <p:cNvPr id="165" name="Shape 165"/>
+        <p:cNvGrpSpPr/>
+        <p:nvPr/>
+      </p:nvGrpSpPr>
+      <p:grpSpPr>
+        <a:xfrm>
+          <a:off x="0" y="0"/>
+          <a:ext cx="0" cy="0"/>
+          <a:chOff x="0" y="0"/>
+          <a:chExt cx="0" cy="0"/>
+        </a:xfrm>
+      </p:grpSpPr>
+      <p:sp>
+        <p:nvSpPr>
+          <p:cNvPr id="166" name="Shape 166"/>
+          <p:cNvSpPr txBox="1"/>
+          <p:nvPr>
+            <p:ph type="title"/>
+          </p:nvPr>
+        </p:nvSpPr>
+        <p:spPr>
+          <a:xfrm>
+            <a:off x="505725" y="348175"/>
+            <a:ext cx="5683800" cy="1166400"/>
+          </a:xfrm>
+          <a:prstGeom prst="rect">
+            <a:avLst/>
+          </a:prstGeom>
+        </p:spPr>
+        <p:txBody>
+          <a:bodyPr anchorCtr="0" anchor="ctr" bIns="91425" lIns="91425" rIns="91425" tIns="91425">
+            <a:noAutofit/>
+          </a:bodyPr>
+          <a:lstStyle/>
+          <a:p>
+            <a:pPr lvl="0" rtl="0" algn="l">
+              <a:spcBef>
+                <a:spcPts val="0"/>
+              </a:spcBef>
+              <a:buNone/>
+            </a:pPr>
+            <a:r>
+              <a:rPr lang="en" sz="3400">
+                <a:solidFill>
+                  <a:srgbClr val="FFFFFF"/>
+                </a:solidFill>
+              </a:rPr>
+              <a:t>Results were… Good?</a:t>
+            </a:r>
+            <a:r>
+              <a:rPr lang="en" sz="3400">
+                <a:solidFill>
+                  <a:schemeClr val="lt2"/>
+                </a:solidFill>
+              </a:rPr>
+              <a:t>ood?</a:t>
+            </a:r>
+          </a:p>
+        </p:txBody>
+      </p:sp>
+      <p:sp>
+        <p:nvSpPr>
+          <p:cNvPr id="167" name="Shape 167"/>
+          <p:cNvSpPr txBox="1"/>
+          <p:nvPr/>
+        </p:nvSpPr>
+        <p:spPr>
+          <a:xfrm>
+            <a:off x="608200" y="1522450"/>
+            <a:ext cx="7862400" cy="3190200"/>
+          </a:xfrm>
+          <a:prstGeom prst="rect">
+            <a:avLst/>
+          </a:prstGeom>
+          <a:noFill/>
+          <a:ln>
+            <a:noFill/>
+          </a:ln>
+        </p:spPr>
+        <p:txBody>
+          <a:bodyPr anchorCtr="0" anchor="t" bIns="91425" lIns="91425" rIns="91425" tIns="91425">
+            <a:noAutofit/>
+          </a:bodyPr>
+          <a:lstStyle/>
+          <a:p>
+            <a:pPr lvl="0">
+              <a:spcBef>
+                <a:spcPts val="0"/>
+              </a:spcBef>
+              <a:buNone/>
+            </a:pPr>
+            <a:r>
+              <a:rPr lang="en" sz="1800">
+                <a:solidFill>
+                  <a:srgbClr val="F3F3F3"/>
+                </a:solidFill>
+              </a:rPr>
+              <a:t>At this point in time, we thought we were going to proceed to build machine learning models to decide which restaurants to recommend.</a:t>
+            </a:r>
+          </a:p>
+          <a:p>
+            <a:pPr lvl="0">
+              <a:spcBef>
+                <a:spcPts val="0"/>
+              </a:spcBef>
+              <a:buNone/>
+            </a:pPr>
+            <a:r>
+              <a:t/>
+            </a:r>
+            <a:endParaRPr sz="1800">
+              <a:solidFill>
+                <a:srgbClr val="F3F3F3"/>
+              </a:solidFill>
+            </a:endParaRPr>
+          </a:p>
+          <a:p>
+            <a:pPr lvl="0">
+              <a:spcBef>
+                <a:spcPts val="0"/>
+              </a:spcBef>
+              <a:buNone/>
+            </a:pPr>
+            <a:r>
+              <a:rPr lang="en" sz="1800">
+                <a:solidFill>
+                  <a:srgbClr val="F3F3F3"/>
+                </a:solidFill>
+              </a:rPr>
+              <a:t>That approach was fundamentally wrong.</a:t>
+            </a:r>
+          </a:p>
+          <a:p>
+            <a:pPr lvl="0">
+              <a:spcBef>
+                <a:spcPts val="0"/>
+              </a:spcBef>
+              <a:buNone/>
+            </a:pPr>
+            <a:r>
+              <a:t/>
+            </a:r>
+            <a:endParaRPr sz="1800">
+              <a:solidFill>
+                <a:srgbClr val="F3F3F3"/>
+              </a:solidFill>
+            </a:endParaRPr>
+          </a:p>
+          <a:p>
+            <a:pPr lvl="0">
+              <a:spcBef>
+                <a:spcPts val="0"/>
+              </a:spcBef>
+              <a:buNone/>
+            </a:pPr>
+            <a:r>
+              <a:rPr lang="en" sz="1800">
+                <a:solidFill>
+                  <a:srgbClr val="F3F3F3"/>
+                </a:solidFill>
+              </a:rPr>
+              <a:t>Pinpointing clusters of restaurants in a similar vector space does not meet our established objectives.</a:t>
+            </a:r>
+          </a:p>
+          <a:p>
+            <a:pPr lvl="0">
+              <a:spcBef>
+                <a:spcPts val="0"/>
+              </a:spcBef>
+              <a:buNone/>
+            </a:pPr>
+            <a:r>
+              <a:t/>
+            </a:r>
+            <a:endParaRPr sz="1800">
+              <a:solidFill>
+                <a:srgbClr val="F3F3F3"/>
+              </a:solidFill>
+            </a:endParaRPr>
+          </a:p>
+          <a:p>
+            <a:pPr lvl="0">
+              <a:spcBef>
+                <a:spcPts val="0"/>
+              </a:spcBef>
+              <a:buNone/>
+            </a:pPr>
+            <a:r>
+              <a:rPr lang="en" sz="1800">
+                <a:solidFill>
+                  <a:srgbClr val="F3F3F3"/>
+                </a:solidFill>
+              </a:rPr>
+              <a:t>Provided uninteresting homogenous results.</a:t>
+            </a:r>
+          </a:p>
+        </p:txBody>
+      </p:sp>
+    </p:spTree>
+  </p:cSld>
+  <p:clrMapOvr>
+    <a:masterClrMapping/>
+  </p:clrMapOvr>
+</p:sld>
+</file>
+
+<file path=ppt/slides/slide14.xml><?xml version="1.0" encoding="utf-8"?>
+<p:sld xmlns:a="http://schemas.openxmlformats.org/drawingml/2006/main" xmlns:r="http://schemas.openxmlformats.org/officeDocument/2006/relationships" xmlns:mc="http://schemas.openxmlformats.org/markup-compatibility/2006" xmlns:mv="urn:schemas-microsoft-com:mac:vml" xmlns:p="http://schemas.openxmlformats.org/presentationml/2006/main" xmlns:c="http://schemas.openxmlformats.org/drawingml/2006/chart" xmlns:dgm="http://schemas.openxmlformats.org/drawingml/2006/diagram" xmlns:o="urn:schemas-microsoft-com:office:office" xmlns:v="urn:schemas-microsoft-com:vml" xmlns:pvml="urn:schemas-microsoft-com:office:powerpoint" xmlns:com="http://schemas.openxmlformats.org/drawingml/2006/compatibility" xmlns:p14="http://schemas.microsoft.com/office/powerpoint/2010/main">
+  <p:cSld>
+    <p:bg>
+      <p:bgPr>
+        <a:solidFill>
           <a:schemeClr val="dk1"/>
         </a:solidFill>
       </p:bgPr>
     </p:bg>
     <p:spTree>
       <p:nvGrpSpPr>
-        <p:cNvPr id="153" name="Shape 153"/>
+        <p:cNvPr id="171" name="Shape 171"/>
         <p:cNvGrpSpPr/>
         <p:nvPr/>
       </p:nvGrpSpPr>
@@ -6627,7 +7482,7 @@
       </p:grpSpPr>
       <p:pic>
         <p:nvPicPr>
-          <p:cNvPr id="154" name="Shape 154"/>
+          <p:cNvPr id="172" name="Shape 172"/>
           <p:cNvPicPr preferRelativeResize="0"/>
           <p:nvPr/>
         </p:nvPicPr>
@@ -6655,14 +7510,14 @@
       </p:pic>
       <p:sp>
         <p:nvSpPr>
-          <p:cNvPr id="155" name="Shape 155"/>
+          <p:cNvPr id="173" name="Shape 173"/>
           <p:cNvSpPr txBox="1"/>
           <p:nvPr/>
         </p:nvSpPr>
         <p:spPr>
           <a:xfrm>
-            <a:off x="2194775" y="547975"/>
-            <a:ext cx="4158900" cy="762600"/>
+            <a:off x="1942825" y="547975"/>
+            <a:ext cx="4881900" cy="762600"/>
           </a:xfrm>
           <a:prstGeom prst="rect">
             <a:avLst/>
@@ -6694,14 +7549,14 @@
                 <a:cs typeface="Raleway"/>
                 <a:sym typeface="Raleway"/>
               </a:rPr>
-              <a:t>Rethinking Our Goal</a:t>
+              <a:t>Rethinking Our Methods</a:t>
             </a:r>
           </a:p>
         </p:txBody>
       </p:sp>
       <p:sp>
         <p:nvSpPr>
-          <p:cNvPr id="156" name="Shape 156"/>
+          <p:cNvPr id="174" name="Shape 174"/>
           <p:cNvSpPr txBox="1"/>
           <p:nvPr>
             <p:ph idx="4294967295" type="body"/>
@@ -6866,7 +7721,7 @@
 </p:sld>
 </file>
 
-<file path=ppt/slides/slide13.xml><?xml version="1.0" encoding="utf-8"?>
+<file path=ppt/slides/slide15.xml><?xml version="1.0" encoding="utf-8"?>
 <p:sld xmlns:a="http://schemas.openxmlformats.org/drawingml/2006/main" xmlns:r="http://schemas.openxmlformats.org/officeDocument/2006/relationships" xmlns:mc="http://schemas.openxmlformats.org/markup-compatibility/2006" xmlns:mv="urn:schemas-microsoft-com:mac:vml" xmlns:p="http://schemas.openxmlformats.org/presentationml/2006/main" xmlns:c="http://schemas.openxmlformats.org/drawingml/2006/chart" xmlns:dgm="http://schemas.openxmlformats.org/drawingml/2006/diagram" xmlns:o="urn:schemas-microsoft-com:office:office" xmlns:v="urn:schemas-microsoft-com:vml" xmlns:pvml="urn:schemas-microsoft-com:office:powerpoint" xmlns:com="http://schemas.openxmlformats.org/drawingml/2006/compatibility" xmlns:p14="http://schemas.microsoft.com/office/powerpoint/2010/main">
   <p:cSld>
     <p:bg>
@@ -6878,7 +7733,7 @@
     </p:bg>
     <p:spTree>
       <p:nvGrpSpPr>
-        <p:cNvPr id="160" name="Shape 160"/>
+        <p:cNvPr id="178" name="Shape 178"/>
         <p:cNvGrpSpPr/>
         <p:nvPr/>
       </p:nvGrpSpPr>
@@ -6892,7 +7747,7 @@
       </p:grpSpPr>
       <p:pic>
         <p:nvPicPr>
-          <p:cNvPr id="161" name="Shape 161"/>
+          <p:cNvPr id="179" name="Shape 179"/>
           <p:cNvPicPr preferRelativeResize="0"/>
           <p:nvPr/>
         </p:nvPicPr>
@@ -6920,7 +7775,7 @@
       </p:pic>
       <p:sp>
         <p:nvSpPr>
-          <p:cNvPr id="162" name="Shape 162"/>
+          <p:cNvPr id="180" name="Shape 180"/>
           <p:cNvSpPr txBox="1"/>
           <p:nvPr/>
         </p:nvSpPr>
@@ -6966,7 +7821,7 @@
       </p:sp>
       <p:sp>
         <p:nvSpPr>
-          <p:cNvPr id="163" name="Shape 163"/>
+          <p:cNvPr id="181" name="Shape 181"/>
           <p:cNvSpPr txBox="1"/>
           <p:nvPr>
             <p:ph idx="4294967295" type="body"/>
@@ -7097,12 +7952,12 @@
 </p:sld>
 </file>
 
-<file path=ppt/slides/slide14.xml><?xml version="1.0" encoding="utf-8"?>
+<file path=ppt/slides/slide16.xml><?xml version="1.0" encoding="utf-8"?>
 <p:sld xmlns:a="http://schemas.openxmlformats.org/drawingml/2006/main" xmlns:r="http://schemas.openxmlformats.org/officeDocument/2006/relationships" xmlns:mc="http://schemas.openxmlformats.org/markup-compatibility/2006" xmlns:mv="urn:schemas-microsoft-com:mac:vml" xmlns:p="http://schemas.openxmlformats.org/presentationml/2006/main" xmlns:c="http://schemas.openxmlformats.org/drawingml/2006/chart" xmlns:dgm="http://schemas.openxmlformats.org/drawingml/2006/diagram" xmlns:o="urn:schemas-microsoft-com:office:office" xmlns:v="urn:schemas-microsoft-com:vml" xmlns:pvml="urn:schemas-microsoft-com:office:powerpoint" xmlns:com="http://schemas.openxmlformats.org/drawingml/2006/compatibility" xmlns:p14="http://schemas.microsoft.com/office/powerpoint/2010/main">
   <p:cSld>
     <p:spTree>
       <p:nvGrpSpPr>
-        <p:cNvPr id="167" name="Shape 167"/>
+        <p:cNvPr id="185" name="Shape 185"/>
         <p:cNvGrpSpPr/>
         <p:nvPr/>
       </p:nvGrpSpPr>
@@ -7116,7 +7971,7 @@
       </p:grpSpPr>
       <p:pic>
         <p:nvPicPr>
-          <p:cNvPr descr="lv.jpg" id="168" name="Shape 168"/>
+          <p:cNvPr descr="lv.jpg" id="186" name="Shape 186"/>
           <p:cNvPicPr preferRelativeResize="0"/>
           <p:nvPr/>
         </p:nvPicPr>
@@ -7144,7 +7999,7 @@
       </p:pic>
       <p:sp>
         <p:nvSpPr>
-          <p:cNvPr id="169" name="Shape 169"/>
+          <p:cNvPr id="187" name="Shape 187"/>
           <p:cNvSpPr txBox="1"/>
           <p:nvPr/>
         </p:nvSpPr>
@@ -7634,8 +8489,8 @@
         </p:nvSpPr>
         <p:spPr>
           <a:xfrm>
-            <a:off x="764375" y="1148975"/>
-            <a:ext cx="7944000" cy="3843300"/>
+            <a:off x="351600" y="920375"/>
+            <a:ext cx="8876400" cy="3843300"/>
           </a:xfrm>
           <a:prstGeom prst="rect">
             <a:avLst/>
@@ -7649,16 +8504,25 @@
           <a:p>
             <a:pPr lvl="0" rtl="0">
               <a:lnSpc>
-                <a:spcPct val="115000"/>
+                <a:spcPct val="100000"/>
               </a:lnSpc>
               <a:spcBef>
                 <a:spcPts val="0"/>
               </a:spcBef>
               <a:spcAft>
-                <a:spcPts val="1600"/>
+                <a:spcPts val="1000"/>
               </a:spcAft>
               <a:buNone/>
             </a:pPr>
+            <a:r>
+              <a:rPr lang="en" sz="2000">
+                <a:latin typeface="Lato"/>
+                <a:ea typeface="Lato"/>
+                <a:cs typeface="Lato"/>
+                <a:sym typeface="Lato"/>
+              </a:rPr>
+              <a:t>4</a:t>
+            </a:r>
             <a:r>
               <a:rPr b="0" lang="en" sz="1800">
                 <a:latin typeface="Lato"/>
@@ -7666,11 +8530,185 @@
                 <a:cs typeface="Lato"/>
                 <a:sym typeface="Lato"/>
               </a:rPr>
-              <a:t>7 GB, 1325315 REVIEWS  for   RESTAURANTS from XXX USERS</a:t>
-            </a:r>
-          </a:p>
-          <a:p>
-            <a:pPr indent="-342900" lvl="0" marL="457200" rtl="0">
+              <a:t> </a:t>
+            </a:r>
+            <a:r>
+              <a:rPr b="0" lang="en" sz="1800">
+                <a:latin typeface="Lato"/>
+                <a:ea typeface="Lato"/>
+                <a:cs typeface="Lato"/>
+                <a:sym typeface="Lato"/>
+              </a:rPr>
+              <a:t>GB, </a:t>
+            </a:r>
+            <a:r>
+              <a:rPr lang="en" sz="2000">
+                <a:latin typeface="Lato"/>
+                <a:ea typeface="Lato"/>
+                <a:cs typeface="Lato"/>
+                <a:sym typeface="Lato"/>
+              </a:rPr>
+              <a:t>679540</a:t>
+            </a:r>
+            <a:r>
+              <a:rPr b="0" lang="en" sz="1800">
+                <a:latin typeface="Lato"/>
+                <a:ea typeface="Lato"/>
+                <a:cs typeface="Lato"/>
+                <a:sym typeface="Lato"/>
+              </a:rPr>
+              <a:t> REVIEWS  for   </a:t>
+            </a:r>
+            <a:r>
+              <a:rPr lang="en" sz="2000">
+                <a:latin typeface="Lato"/>
+                <a:ea typeface="Lato"/>
+                <a:cs typeface="Lato"/>
+                <a:sym typeface="Lato"/>
+              </a:rPr>
+              <a:t>4093</a:t>
+            </a:r>
+            <a:r>
+              <a:rPr b="0" lang="en" sz="1800">
+                <a:latin typeface="Lato"/>
+                <a:ea typeface="Lato"/>
+                <a:cs typeface="Lato"/>
+                <a:sym typeface="Lato"/>
+              </a:rPr>
+              <a:t> RESTAURANTS from </a:t>
+            </a:r>
+            <a:r>
+              <a:rPr lang="en" sz="2000">
+                <a:latin typeface="Lato"/>
+                <a:ea typeface="Lato"/>
+                <a:cs typeface="Lato"/>
+                <a:sym typeface="Lato"/>
+              </a:rPr>
+              <a:t>260014</a:t>
+            </a:r>
+            <a:r>
+              <a:rPr b="0" lang="en" sz="1800">
+                <a:latin typeface="Lato"/>
+                <a:ea typeface="Lato"/>
+                <a:cs typeface="Lato"/>
+                <a:sym typeface="Lato"/>
+              </a:rPr>
+              <a:t> USERS</a:t>
+            </a:r>
+          </a:p>
+          <a:p>
+            <a:pPr indent="-330200" lvl="0" marL="457200" rtl="0">
+              <a:lnSpc>
+                <a:spcPct val="100000"/>
+              </a:lnSpc>
+              <a:spcBef>
+                <a:spcPts val="0"/>
+              </a:spcBef>
+              <a:spcAft>
+                <a:spcPts val="1000"/>
+              </a:spcAft>
+              <a:buClr>
+                <a:schemeClr val="dk1"/>
+              </a:buClr>
+              <a:buSzPct val="100000"/>
+              <a:buFont typeface="Lato"/>
+              <a:buChar char="➔"/>
+            </a:pPr>
+            <a:r>
+              <a:rPr lang="en" sz="1600">
+                <a:latin typeface="Lato"/>
+                <a:ea typeface="Lato"/>
+                <a:cs typeface="Lato"/>
+                <a:sym typeface="Lato"/>
+              </a:rPr>
+              <a:t>Restaurant</a:t>
+            </a:r>
+            <a:r>
+              <a:rPr b="0" lang="en" sz="1600">
+                <a:latin typeface="Lato"/>
+                <a:ea typeface="Lato"/>
+                <a:cs typeface="Lato"/>
+                <a:sym typeface="Lato"/>
+              </a:rPr>
+              <a:t> information:</a:t>
+            </a:r>
+          </a:p>
+          <a:p>
+            <a:pPr indent="0" lvl="0" marL="457200" rtl="0">
+              <a:lnSpc>
+                <a:spcPct val="100000"/>
+              </a:lnSpc>
+              <a:spcBef>
+                <a:spcPts val="0"/>
+              </a:spcBef>
+              <a:spcAft>
+                <a:spcPts val="600"/>
+              </a:spcAft>
+              <a:buNone/>
+            </a:pPr>
+            <a:r>
+              <a:rPr i="1" lang="en" sz="1600">
+                <a:latin typeface="Lato"/>
+                <a:ea typeface="Lato"/>
+                <a:cs typeface="Lato"/>
+                <a:sym typeface="Lato"/>
+              </a:rPr>
+              <a:t>[Alcohol, GoodForKids, Parking...]</a:t>
+            </a:r>
+          </a:p>
+          <a:p>
+            <a:pPr indent="-330200" lvl="1" marL="914400" rtl="0">
+              <a:lnSpc>
+                <a:spcPct val="100000"/>
+              </a:lnSpc>
+              <a:spcBef>
+                <a:spcPts val="0"/>
+              </a:spcBef>
+              <a:spcAft>
+                <a:spcPts val="600"/>
+              </a:spcAft>
+              <a:buClr>
+                <a:schemeClr val="dk1"/>
+              </a:buClr>
+              <a:buSzPct val="100000"/>
+              <a:buFont typeface="Lato"/>
+              <a:buChar char="◆"/>
+            </a:pPr>
+            <a:r>
+              <a:rPr b="0" lang="en" sz="1600">
+                <a:latin typeface="Lato"/>
+                <a:ea typeface="Lato"/>
+                <a:cs typeface="Lato"/>
+                <a:sym typeface="Lato"/>
+              </a:rPr>
+              <a:t>Attributes contained practical information about  the restaurant environment and features. </a:t>
+            </a:r>
+          </a:p>
+          <a:p>
+            <a:pPr indent="457200" lvl="0" rtl="0">
+              <a:lnSpc>
+                <a:spcPct val="100000"/>
+              </a:lnSpc>
+              <a:spcBef>
+                <a:spcPts val="0"/>
+              </a:spcBef>
+              <a:spcAft>
+                <a:spcPts val="600"/>
+              </a:spcAft>
+              <a:buNone/>
+            </a:pPr>
+            <a:r>
+              <a:rPr i="1" lang="en" sz="1600">
+                <a:latin typeface="Lato"/>
+                <a:ea typeface="Lato"/>
+                <a:cs typeface="Lato"/>
+                <a:sym typeface="Lato"/>
+              </a:rPr>
+              <a:t>[Pizza, Seafood, Steakhouse...]</a:t>
+            </a:r>
+          </a:p>
+          <a:p>
+            <a:pPr indent="-330200" lvl="1" marL="914400" rtl="0">
               <a:lnSpc>
                 <a:spcPct val="115000"/>
               </a:lnSpc>
@@ -7685,94 +8723,38 @@
               </a:buClr>
               <a:buSzPct val="100000"/>
               <a:buFont typeface="Lato"/>
-              <a:buChar char="➔"/>
-            </a:pPr>
-            <a:r>
-              <a:rPr b="0" lang="en" sz="1800">
+              <a:buChar char="◆"/>
+            </a:pPr>
+            <a:r>
+              <a:rPr b="0" lang="en" sz="1600">
                 <a:latin typeface="Lato"/>
                 <a:ea typeface="Lato"/>
                 <a:cs typeface="Lato"/>
                 <a:sym typeface="Lato"/>
               </a:rPr>
-              <a:t>Restaurant information:</a:t>
-            </a:r>
-          </a:p>
-          <a:p>
-            <a:pPr indent="-342900" lvl="1" marL="914400" rtl="0">
+              <a:t>Category included information about cuisine, ambience, and other subjective information. </a:t>
+            </a:r>
+          </a:p>
+          <a:p>
+            <a:pPr indent="-330200" lvl="0" marL="457200" rtl="0">
               <a:lnSpc>
-                <a:spcPct val="115000"/>
+                <a:spcPct val="100000"/>
               </a:lnSpc>
               <a:spcBef>
                 <a:spcPts val="0"/>
               </a:spcBef>
               <a:spcAft>
-                <a:spcPts val="1600"/>
+                <a:spcPts val="600"/>
               </a:spcAft>
               <a:buClr>
                 <a:schemeClr val="dk1"/>
               </a:buClr>
               <a:buSzPct val="100000"/>
               <a:buFont typeface="Lato"/>
-              <a:buChar char="◆"/>
-            </a:pPr>
-            <a:r>
-              <a:rPr b="0" lang="en" sz="1800">
-                <a:latin typeface="Lato"/>
-                <a:ea typeface="Lato"/>
-                <a:cs typeface="Lato"/>
-                <a:sym typeface="Lato"/>
-              </a:rPr>
-              <a:t>Attributes contained practical information about  the restaurant environment and features.</a:t>
-            </a:r>
-          </a:p>
-          <a:p>
-            <a:pPr indent="-342900" lvl="1" marL="914400" rtl="0">
-              <a:lnSpc>
-                <a:spcPct val="115000"/>
-              </a:lnSpc>
-              <a:spcBef>
-                <a:spcPts val="0"/>
-              </a:spcBef>
-              <a:spcAft>
-                <a:spcPts val="1600"/>
-              </a:spcAft>
-              <a:buClr>
-                <a:schemeClr val="dk1"/>
-              </a:buClr>
-              <a:buSzPct val="100000"/>
-              <a:buFont typeface="Lato"/>
-              <a:buChar char="◆"/>
-            </a:pPr>
-            <a:r>
-              <a:rPr b="0" lang="en" sz="1800">
-                <a:latin typeface="Lato"/>
-                <a:ea typeface="Lato"/>
-                <a:cs typeface="Lato"/>
-                <a:sym typeface="Lato"/>
-              </a:rPr>
-              <a:t>Category included information about cuisine, ambience, and other subjective information.</a:t>
-            </a:r>
-          </a:p>
-          <a:p>
-            <a:pPr indent="-342900" lvl="0" marL="457200" rtl="0">
-              <a:lnSpc>
-                <a:spcPct val="115000"/>
-              </a:lnSpc>
-              <a:spcBef>
-                <a:spcPts val="0"/>
-              </a:spcBef>
-              <a:spcAft>
-                <a:spcPts val="1600"/>
-              </a:spcAft>
-              <a:buClr>
-                <a:schemeClr val="dk1"/>
-              </a:buClr>
-              <a:buSzPct val="100000"/>
-              <a:buFont typeface="Lato"/>
               <a:buChar char="➔"/>
             </a:pPr>
             <a:r>
-              <a:rPr b="0" lang="en" sz="1800">
+              <a:rPr lang="en" sz="1600">
                 <a:latin typeface="Lato"/>
                 <a:ea typeface="Lato"/>
                 <a:cs typeface="Lato"/>
@@ -7782,15 +8764,15 @@
             </a:r>
           </a:p>
           <a:p>
-            <a:pPr indent="-342900" lvl="1" marL="914400" rtl="0">
+            <a:pPr indent="-330200" lvl="1" marL="914400" rtl="0">
               <a:lnSpc>
-                <a:spcPct val="115000"/>
+                <a:spcPct val="100000"/>
               </a:lnSpc>
               <a:spcBef>
                 <a:spcPts val="0"/>
               </a:spcBef>
               <a:spcAft>
-                <a:spcPts val="1600"/>
+                <a:spcPts val="600"/>
               </a:spcAft>
               <a:buClr>
                 <a:schemeClr val="dk1"/>
@@ -7800,7 +8782,7 @@
               <a:buChar char="◆"/>
             </a:pPr>
             <a:r>
-              <a:rPr b="0" lang="en" sz="1800">
+              <a:rPr b="0" lang="en" sz="1600">
                 <a:latin typeface="Lato"/>
                 <a:ea typeface="Lato"/>
                 <a:cs typeface="Lato"/>
@@ -7810,15 +8792,15 @@
             </a:r>
           </a:p>
           <a:p>
-            <a:pPr indent="-342900" lvl="1" marL="914400" rtl="0">
+            <a:pPr indent="-330200" lvl="1" marL="914400" rtl="0">
               <a:lnSpc>
-                <a:spcPct val="115000"/>
+                <a:spcPct val="100000"/>
               </a:lnSpc>
               <a:spcBef>
                 <a:spcPts val="0"/>
               </a:spcBef>
               <a:spcAft>
-                <a:spcPts val="1600"/>
+                <a:spcPts val="600"/>
               </a:spcAft>
               <a:buClr>
                 <a:schemeClr val="dk1"/>
@@ -7828,7 +8810,7 @@
               <a:buChar char="◆"/>
             </a:pPr>
             <a:r>
-              <a:rPr b="0" lang="en" sz="1800">
+              <a:rPr b="0" lang="en" sz="1600">
                 <a:latin typeface="Lato"/>
                 <a:ea typeface="Lato"/>
                 <a:cs typeface="Lato"/>
@@ -7838,15 +8820,15 @@
             </a:r>
           </a:p>
           <a:p>
-            <a:pPr indent="-342900" lvl="1" marL="914400" rtl="0">
+            <a:pPr indent="-330200" lvl="1" marL="914400" rtl="0">
               <a:lnSpc>
-                <a:spcPct val="115000"/>
+                <a:spcPct val="100000"/>
               </a:lnSpc>
               <a:spcBef>
                 <a:spcPts val="0"/>
               </a:spcBef>
               <a:spcAft>
-                <a:spcPts val="1600"/>
+                <a:spcPts val="600"/>
               </a:spcAft>
               <a:buClr>
                 <a:schemeClr val="dk1"/>
@@ -7856,7 +8838,7 @@
               <a:buChar char="◆"/>
             </a:pPr>
             <a:r>
-              <a:rPr b="0" lang="en" sz="1800">
+              <a:rPr b="0" lang="en" sz="1600">
                 <a:latin typeface="Lato"/>
                 <a:ea typeface="Lato"/>
                 <a:cs typeface="Lato"/>
@@ -8047,23 +9029,186 @@
           </a:p>
         </p:txBody>
       </p:sp>
+      <p:sp>
+        <p:nvSpPr>
+          <p:cNvPr id="96" name="Shape 96"/>
+          <p:cNvSpPr txBox="1"/>
+          <p:nvPr>
+            <p:ph idx="4294967295" type="body"/>
+          </p:nvPr>
+        </p:nvSpPr>
+        <p:spPr>
+          <a:xfrm>
+            <a:off x="4849900" y="1103250"/>
+            <a:ext cx="4208400" cy="1378500"/>
+          </a:xfrm>
+          <a:prstGeom prst="rect">
+            <a:avLst/>
+          </a:prstGeom>
+        </p:spPr>
+        <p:txBody>
+          <a:bodyPr anchorCtr="0" anchor="t" bIns="91425" lIns="91425" rIns="91425" tIns="91425">
+            <a:noAutofit/>
+          </a:bodyPr>
+          <a:lstStyle/>
+          <a:p>
+            <a:pPr lvl="0" rtl="0">
+              <a:spcBef>
+                <a:spcPts val="0"/>
+              </a:spcBef>
+              <a:spcAft>
+                <a:spcPts val="1000"/>
+              </a:spcAft>
+              <a:buNone/>
+            </a:pPr>
+            <a:r>
+              <a:rPr lang="en" sz="1200">
+                <a:solidFill>
+                  <a:srgbClr val="000000"/>
+                </a:solidFill>
+              </a:rPr>
+              <a:t>Median number of reviews each user generated: </a:t>
+            </a:r>
+          </a:p>
+          <a:p>
+            <a:pPr indent="457200" lvl="0" marL="1371600" rtl="0" algn="l">
+              <a:spcBef>
+                <a:spcPts val="0"/>
+              </a:spcBef>
+              <a:spcAft>
+                <a:spcPts val="1000"/>
+              </a:spcAft>
+              <a:buNone/>
+            </a:pPr>
+            <a:r>
+              <a:rPr b="1" lang="en" sz="1400">
+                <a:solidFill>
+                  <a:schemeClr val="dk1"/>
+                </a:solidFill>
+              </a:rPr>
+              <a:t>1</a:t>
+            </a:r>
+          </a:p>
+          <a:p>
+            <a:pPr lvl="0" rtl="0">
+              <a:spcBef>
+                <a:spcPts val="0"/>
+              </a:spcBef>
+              <a:spcAft>
+                <a:spcPts val="1000"/>
+              </a:spcAft>
+              <a:buNone/>
+            </a:pPr>
+            <a:r>
+              <a:t/>
+            </a:r>
+            <a:endParaRPr sz="1400">
+              <a:solidFill>
+                <a:srgbClr val="000000"/>
+              </a:solidFill>
+            </a:endParaRPr>
+          </a:p>
+        </p:txBody>
+      </p:sp>
+      <p:sp>
+        <p:nvSpPr>
+          <p:cNvPr id="97" name="Shape 97"/>
+          <p:cNvSpPr txBox="1"/>
+          <p:nvPr>
+            <p:ph idx="4294967295" type="body"/>
+          </p:nvPr>
+        </p:nvSpPr>
+        <p:spPr>
+          <a:xfrm>
+            <a:off x="384475" y="1103250"/>
+            <a:ext cx="3952200" cy="1378500"/>
+          </a:xfrm>
+          <a:prstGeom prst="rect">
+            <a:avLst/>
+          </a:prstGeom>
+        </p:spPr>
+        <p:txBody>
+          <a:bodyPr anchorCtr="0" anchor="t" bIns="91425" lIns="91425" rIns="91425" tIns="91425">
+            <a:noAutofit/>
+          </a:bodyPr>
+          <a:lstStyle/>
+          <a:p>
+            <a:pPr lvl="0" rtl="0">
+              <a:spcBef>
+                <a:spcPts val="0"/>
+              </a:spcBef>
+              <a:spcAft>
+                <a:spcPts val="1000"/>
+              </a:spcAft>
+              <a:buNone/>
+            </a:pPr>
+            <a:r>
+              <a:rPr lang="en" sz="1200">
+                <a:solidFill>
+                  <a:srgbClr val="000000"/>
+                </a:solidFill>
+              </a:rPr>
+              <a:t>Median number of reviews each restaurant received: </a:t>
+            </a:r>
+          </a:p>
+          <a:p>
+            <a:pPr lvl="0" rtl="0" algn="ctr">
+              <a:spcBef>
+                <a:spcPts val="0"/>
+              </a:spcBef>
+              <a:spcAft>
+                <a:spcPts val="1000"/>
+              </a:spcAft>
+              <a:buNone/>
+            </a:pPr>
+            <a:r>
+              <a:rPr b="1" lang="en" sz="1400">
+                <a:solidFill>
+                  <a:schemeClr val="dk1"/>
+                </a:solidFill>
+              </a:rPr>
+              <a:t>50</a:t>
+            </a:r>
+          </a:p>
+          <a:p>
+            <a:pPr lvl="0" rtl="0">
+              <a:spcBef>
+                <a:spcPts val="0"/>
+              </a:spcBef>
+              <a:spcAft>
+                <a:spcPts val="1000"/>
+              </a:spcAft>
+              <a:buNone/>
+            </a:pPr>
+            <a:r>
+              <a:t/>
+            </a:r>
+            <a:endParaRPr sz="1400">
+              <a:solidFill>
+                <a:srgbClr val="000000"/>
+              </a:solidFill>
+            </a:endParaRPr>
+          </a:p>
+        </p:txBody>
+      </p:sp>
       <p:pic>
         <p:nvPicPr>
-          <p:cNvPr descr="Screen Shot 2017-03-29 at 12.18.07 AM.png" id="96" name="Shape 96"/>
+          <p:cNvPr descr="usersplot.png" id="98" name="Shape 98"/>
           <p:cNvPicPr preferRelativeResize="0"/>
           <p:nvPr/>
         </p:nvPicPr>
-        <p:blipFill rotWithShape="1">
+        <p:blipFill>
           <a:blip r:embed="rId4">
             <a:alphaModFix/>
           </a:blip>
-          <a:srcRect b="0" l="0" r="6907" t="0"/>
-          <a:stretch/>
+          <a:stretch>
+            <a:fillRect/>
+          </a:stretch>
         </p:blipFill>
         <p:spPr>
           <a:xfrm>
-            <a:off x="5002299" y="1930775"/>
-            <a:ext cx="3584049" cy="2433425"/>
+            <a:off x="4908025" y="1766450"/>
+            <a:ext cx="3733800" cy="2647950"/>
           </a:xfrm>
           <a:prstGeom prst="rect">
             <a:avLst/>
@@ -8076,7 +9221,7 @@
       </p:pic>
       <p:pic>
         <p:nvPicPr>
-          <p:cNvPr descr="Screen Shot 2017-03-29 at 12.19.42 AM.png" id="97" name="Shape 97"/>
+          <p:cNvPr descr="Screen Shot 2017-03-29 at 10.41.52.png" id="99" name="Shape 99"/>
           <p:cNvPicPr preferRelativeResize="0"/>
           <p:nvPr/>
         </p:nvPicPr>
@@ -8084,13 +9229,13 @@
           <a:blip r:embed="rId5">
             <a:alphaModFix/>
           </a:blip>
-          <a:srcRect b="0" l="3020" r="9429" t="0"/>
+          <a:srcRect b="0" l="2616" r="7794" t="0"/>
           <a:stretch/>
         </p:blipFill>
         <p:spPr>
           <a:xfrm>
-            <a:off x="599200" y="1918850"/>
-            <a:ext cx="3460175" cy="2433424"/>
+            <a:off x="460674" y="1826297"/>
+            <a:ext cx="3688424" cy="2590477"/>
           </a:xfrm>
           <a:prstGeom prst="rect">
             <a:avLst/>
@@ -8101,168 +9246,6 @@
           </a:ln>
         </p:spPr>
       </p:pic>
-      <p:sp>
-        <p:nvSpPr>
-          <p:cNvPr id="98" name="Shape 98"/>
-          <p:cNvSpPr txBox="1"/>
-          <p:nvPr>
-            <p:ph idx="4294967295" type="body"/>
-          </p:nvPr>
-        </p:nvSpPr>
-        <p:spPr>
-          <a:xfrm>
-            <a:off x="4849900" y="1103250"/>
-            <a:ext cx="4208400" cy="1378500"/>
-          </a:xfrm>
-          <a:prstGeom prst="rect">
-            <a:avLst/>
-          </a:prstGeom>
-        </p:spPr>
-        <p:txBody>
-          <a:bodyPr anchorCtr="0" anchor="t" bIns="91425" lIns="91425" rIns="91425" tIns="91425">
-            <a:noAutofit/>
-          </a:bodyPr>
-          <a:lstStyle/>
-          <a:p>
-            <a:pPr lvl="0" rtl="0">
-              <a:spcBef>
-                <a:spcPts val="0"/>
-              </a:spcBef>
-              <a:spcAft>
-                <a:spcPts val="1000"/>
-              </a:spcAft>
-              <a:buNone/>
-            </a:pPr>
-            <a:r>
-              <a:rPr lang="en" sz="1200">
-                <a:solidFill>
-                  <a:srgbClr val="000000"/>
-                </a:solidFill>
-              </a:rPr>
-              <a:t>Median number of reviews each user generated: </a:t>
-            </a:r>
-          </a:p>
-          <a:p>
-            <a:pPr lvl="0" rtl="0" algn="ctr">
-              <a:spcBef>
-                <a:spcPts val="0"/>
-              </a:spcBef>
-              <a:spcAft>
-                <a:spcPts val="1000"/>
-              </a:spcAft>
-              <a:buNone/>
-            </a:pPr>
-            <a:r>
-              <a:rPr b="1" lang="en" sz="1400">
-                <a:solidFill>
-                  <a:schemeClr val="dk1"/>
-                </a:solidFill>
-              </a:rPr>
-              <a:t>1</a:t>
-            </a:r>
-          </a:p>
-          <a:p>
-            <a:pPr lvl="0" rtl="0">
-              <a:spcBef>
-                <a:spcPts val="0"/>
-              </a:spcBef>
-              <a:spcAft>
-                <a:spcPts val="1000"/>
-              </a:spcAft>
-              <a:buNone/>
-            </a:pPr>
-            <a:r>
-              <a:t/>
-            </a:r>
-            <a:endParaRPr sz="1400">
-              <a:solidFill>
-                <a:srgbClr val="000000"/>
-              </a:solidFill>
-            </a:endParaRPr>
-          </a:p>
-        </p:txBody>
-      </p:sp>
-      <p:sp>
-        <p:nvSpPr>
-          <p:cNvPr id="99" name="Shape 99"/>
-          <p:cNvSpPr txBox="1"/>
-          <p:nvPr>
-            <p:ph idx="4294967295" type="body"/>
-          </p:nvPr>
-        </p:nvSpPr>
-        <p:spPr>
-          <a:xfrm>
-            <a:off x="384475" y="1103250"/>
-            <a:ext cx="3952200" cy="1378500"/>
-          </a:xfrm>
-          <a:prstGeom prst="rect">
-            <a:avLst/>
-          </a:prstGeom>
-        </p:spPr>
-        <p:txBody>
-          <a:bodyPr anchorCtr="0" anchor="t" bIns="91425" lIns="91425" rIns="91425" tIns="91425">
-            <a:noAutofit/>
-          </a:bodyPr>
-          <a:lstStyle/>
-          <a:p>
-            <a:pPr lvl="0" rtl="0">
-              <a:spcBef>
-                <a:spcPts val="0"/>
-              </a:spcBef>
-              <a:spcAft>
-                <a:spcPts val="1000"/>
-              </a:spcAft>
-              <a:buNone/>
-            </a:pPr>
-            <a:r>
-              <a:rPr lang="en" sz="1200">
-                <a:solidFill>
-                  <a:srgbClr val="000000"/>
-                </a:solidFill>
-              </a:rPr>
-              <a:t>Median number of reviews each restaurant received: </a:t>
-            </a:r>
-          </a:p>
-          <a:p>
-            <a:pPr lvl="0" rtl="0" algn="ctr">
-              <a:spcBef>
-                <a:spcPts val="0"/>
-              </a:spcBef>
-              <a:spcAft>
-                <a:spcPts val="1000"/>
-              </a:spcAft>
-              <a:buNone/>
-            </a:pPr>
-            <a:r>
-              <a:rPr b="1" lang="en" sz="1400">
-                <a:solidFill>
-                  <a:schemeClr val="dk1"/>
-                </a:solidFill>
-              </a:rPr>
-              <a:t>12</a:t>
-            </a:r>
-          </a:p>
-          <a:p>
-            <a:pPr lvl="0" rtl="0">
-              <a:spcBef>
-                <a:spcPts val="0"/>
-              </a:spcBef>
-              <a:spcAft>
-                <a:spcPts val="1000"/>
-              </a:spcAft>
-              <a:buNone/>
-            </a:pPr>
-            <a:r>
-              <a:t/>
-            </a:r>
-            <a:endParaRPr sz="1400">
-              <a:solidFill>
-                <a:srgbClr val="000000"/>
-              </a:solidFill>
-            </a:endParaRPr>
-          </a:p>
-        </p:txBody>
-      </p:sp>
     </p:spTree>
   </p:cSld>
   <p:clrMapOvr>
@@ -8461,7 +9444,7 @@
                 <a:cs typeface="Lato"/>
                 <a:sym typeface="Lato"/>
               </a:rPr>
-              <a:t>1000 Restaurants covered</a:t>
+              <a:t>Covered 92% restaurants</a:t>
             </a:r>
           </a:p>
           <a:p>
@@ -8648,6 +9631,13 @@
 <file path=ppt/slides/slide7.xml><?xml version="1.0" encoding="utf-8"?>
 <p:sld xmlns:a="http://schemas.openxmlformats.org/drawingml/2006/main" xmlns:r="http://schemas.openxmlformats.org/officeDocument/2006/relationships" xmlns:mc="http://schemas.openxmlformats.org/markup-compatibility/2006" xmlns:mv="urn:schemas-microsoft-com:mac:vml" xmlns:p="http://schemas.openxmlformats.org/presentationml/2006/main" xmlns:c="http://schemas.openxmlformats.org/drawingml/2006/chart" xmlns:dgm="http://schemas.openxmlformats.org/drawingml/2006/diagram" xmlns:o="urn:schemas-microsoft-com:office:office" xmlns:v="urn:schemas-microsoft-com:vml" xmlns:pvml="urn:schemas-microsoft-com:office:powerpoint" xmlns:com="http://schemas.openxmlformats.org/drawingml/2006/compatibility" xmlns:p14="http://schemas.microsoft.com/office/powerpoint/2010/main">
   <p:cSld>
+    <p:bg>
+      <p:bgPr>
+        <a:solidFill>
+          <a:schemeClr val="dk1"/>
+        </a:solidFill>
+      </p:bgPr>
+    </p:bg>
     <p:spTree>
       <p:nvGrpSpPr>
         <p:cNvPr id="116" name="Shape 116"/>
@@ -8662,79 +9652,9 @@
           <a:chExt cx="0" cy="0"/>
         </a:xfrm>
       </p:grpSpPr>
-      <p:sp>
-        <p:nvSpPr>
-          <p:cNvPr id="117" name="Shape 117"/>
-          <p:cNvSpPr txBox="1"/>
-          <p:nvPr>
-            <p:ph type="title"/>
-          </p:nvPr>
-        </p:nvSpPr>
-        <p:spPr>
-          <a:xfrm>
-            <a:off x="587899" y="26350"/>
-            <a:ext cx="3465900" cy="892800"/>
-          </a:xfrm>
-          <a:prstGeom prst="rect">
-            <a:avLst/>
-          </a:prstGeom>
-        </p:spPr>
-        <p:txBody>
-          <a:bodyPr anchorCtr="0" anchor="t" bIns="91425" lIns="91425" rIns="91425" tIns="91425">
-            <a:noAutofit/>
-          </a:bodyPr>
-          <a:lstStyle/>
-          <a:p>
-            <a:pPr lvl="0" rtl="0">
-              <a:spcBef>
-                <a:spcPts val="0"/>
-              </a:spcBef>
-              <a:spcAft>
-                <a:spcPts val="1000"/>
-              </a:spcAft>
-              <a:buNone/>
-            </a:pPr>
-            <a:r>
-              <a:rPr lang="en">
-                <a:solidFill>
-                  <a:schemeClr val="accent5"/>
-                </a:solidFill>
-              </a:rPr>
-              <a:t>Clustering</a:t>
-            </a:r>
-            <a:r>
-              <a:rPr lang="en">
-                <a:solidFill>
-                  <a:schemeClr val="accent5"/>
-                </a:solidFill>
-              </a:rPr>
-              <a:t>!</a:t>
-            </a:r>
-            <a:r>
-              <a:rPr lang="en"/>
-              <a:t> </a:t>
-            </a:r>
-          </a:p>
-          <a:p>
-            <a:pPr lvl="0" rtl="0">
-              <a:spcBef>
-                <a:spcPts val="0"/>
-              </a:spcBef>
-              <a:spcAft>
-                <a:spcPts val="1000"/>
-              </a:spcAft>
-              <a:buNone/>
-            </a:pPr>
-            <a:r>
-              <a:t/>
-            </a:r>
-            <a:endParaRPr b="0" sz="2400"/>
-          </a:p>
-        </p:txBody>
-      </p:sp>
       <p:pic>
         <p:nvPicPr>
-          <p:cNvPr descr="Screen Shot 2017-03-29 at 1.18.51 AM.png" id="118" name="Shape 118"/>
+          <p:cNvPr id="117" name="Shape 117"/>
           <p:cNvPicPr preferRelativeResize="0"/>
           <p:nvPr/>
         </p:nvPicPr>
@@ -8748,8 +9668,182 @@
         </p:blipFill>
         <p:spPr>
           <a:xfrm>
-            <a:off x="1368100" y="919150"/>
-            <a:ext cx="6261649" cy="4033774"/>
+            <a:off x="176525" y="162736"/>
+            <a:ext cx="4254600" cy="4818037"/>
+          </a:xfrm>
+          <a:prstGeom prst="rect">
+            <a:avLst/>
+          </a:prstGeom>
+          <a:noFill/>
+          <a:ln>
+            <a:noFill/>
+          </a:ln>
+        </p:spPr>
+      </p:pic>
+      <p:sp>
+        <p:nvSpPr>
+          <p:cNvPr id="118" name="Shape 118"/>
+          <p:cNvSpPr txBox="1"/>
+          <p:nvPr/>
+        </p:nvSpPr>
+        <p:spPr>
+          <a:xfrm>
+            <a:off x="-103175" y="340650"/>
+            <a:ext cx="4750800" cy="762600"/>
+          </a:xfrm>
+          <a:prstGeom prst="rect">
+            <a:avLst/>
+          </a:prstGeom>
+          <a:noFill/>
+          <a:ln>
+            <a:noFill/>
+          </a:ln>
+        </p:spPr>
+        <p:txBody>
+          <a:bodyPr anchorCtr="0" anchor="b" bIns="91425" lIns="91425" rIns="91425" tIns="91425">
+            <a:noAutofit/>
+          </a:bodyPr>
+          <a:lstStyle/>
+          <a:p>
+            <a:pPr indent="457200" lvl="0" rtl="0">
+              <a:spcBef>
+                <a:spcPts val="0"/>
+              </a:spcBef>
+              <a:buNone/>
+            </a:pPr>
+            <a:r>
+              <a:rPr b="1" lang="en" sz="3000">
+                <a:solidFill>
+                  <a:schemeClr val="lt2"/>
+                </a:solidFill>
+                <a:latin typeface="Raleway"/>
+                <a:ea typeface="Raleway"/>
+                <a:cs typeface="Raleway"/>
+                <a:sym typeface="Raleway"/>
+              </a:rPr>
+              <a:t>Co-rated items</a:t>
+            </a:r>
+          </a:p>
+        </p:txBody>
+      </p:sp>
+      <p:pic>
+        <p:nvPicPr>
+          <p:cNvPr id="119" name="Shape 119"/>
+          <p:cNvPicPr preferRelativeResize="0"/>
+          <p:nvPr/>
+        </p:nvPicPr>
+        <p:blipFill>
+          <a:blip r:embed="rId3">
+            <a:alphaModFix/>
+          </a:blip>
+          <a:stretch>
+            <a:fillRect/>
+          </a:stretch>
+        </p:blipFill>
+        <p:spPr>
+          <a:xfrm>
+            <a:off x="4647625" y="162736"/>
+            <a:ext cx="4254600" cy="4818037"/>
+          </a:xfrm>
+          <a:prstGeom prst="rect">
+            <a:avLst/>
+          </a:prstGeom>
+          <a:noFill/>
+          <a:ln>
+            <a:noFill/>
+          </a:ln>
+        </p:spPr>
+      </p:pic>
+      <p:sp>
+        <p:nvSpPr>
+          <p:cNvPr id="120" name="Shape 120"/>
+          <p:cNvSpPr txBox="1"/>
+          <p:nvPr/>
+        </p:nvSpPr>
+        <p:spPr>
+          <a:xfrm>
+            <a:off x="4798825" y="264450"/>
+            <a:ext cx="3952200" cy="1264800"/>
+          </a:xfrm>
+          <a:prstGeom prst="rect">
+            <a:avLst/>
+          </a:prstGeom>
+          <a:noFill/>
+          <a:ln>
+            <a:noFill/>
+          </a:ln>
+        </p:spPr>
+        <p:txBody>
+          <a:bodyPr anchorCtr="0" anchor="b" bIns="91425" lIns="91425" rIns="91425" tIns="91425">
+            <a:noAutofit/>
+          </a:bodyPr>
+          <a:lstStyle/>
+          <a:p>
+            <a:pPr indent="457200" lvl="0" rtl="0">
+              <a:spcBef>
+                <a:spcPts val="0"/>
+              </a:spcBef>
+              <a:buNone/>
+            </a:pPr>
+            <a:r>
+              <a:rPr b="1" lang="en" sz="3000">
+                <a:solidFill>
+                  <a:schemeClr val="lt2"/>
+                </a:solidFill>
+                <a:latin typeface="Raleway"/>
+                <a:ea typeface="Raleway"/>
+                <a:cs typeface="Raleway"/>
+                <a:sym typeface="Raleway"/>
+              </a:rPr>
+              <a:t> Correlation-based Similarity</a:t>
+            </a:r>
+          </a:p>
+        </p:txBody>
+      </p:sp>
+      <p:pic>
+        <p:nvPicPr>
+          <p:cNvPr descr="Screen Shot 2017-03-29 at 10.25.59.png" id="121" name="Shape 121"/>
+          <p:cNvPicPr preferRelativeResize="0"/>
+          <p:nvPr/>
+        </p:nvPicPr>
+        <p:blipFill rotWithShape="1">
+          <a:blip r:embed="rId4">
+            <a:alphaModFix/>
+          </a:blip>
+          <a:srcRect b="0" l="4264" r="39397" t="0"/>
+          <a:stretch/>
+        </p:blipFill>
+        <p:spPr>
+          <a:xfrm>
+            <a:off x="332512" y="950699"/>
+            <a:ext cx="3942624" cy="3606449"/>
+          </a:xfrm>
+          <a:prstGeom prst="rect">
+            <a:avLst/>
+          </a:prstGeom>
+          <a:noFill/>
+          <a:ln>
+            <a:noFill/>
+          </a:ln>
+        </p:spPr>
+      </p:pic>
+      <p:pic>
+        <p:nvPicPr>
+          <p:cNvPr descr="Screen Shot 2017-03-29 at 10.30.13.png" id="122" name="Shape 122"/>
+          <p:cNvPicPr preferRelativeResize="0"/>
+          <p:nvPr/>
+        </p:nvPicPr>
+        <p:blipFill rotWithShape="1">
+          <a:blip r:embed="rId5">
+            <a:alphaModFix/>
+          </a:blip>
+          <a:srcRect b="0" l="2797" r="6078" t="0"/>
+          <a:stretch/>
+        </p:blipFill>
+        <p:spPr>
+          <a:xfrm>
+            <a:off x="4859325" y="2130025"/>
+            <a:ext cx="3882124" cy="1932350"/>
           </a:xfrm>
           <a:prstGeom prst="rect">
             <a:avLst/>
@@ -8771,9 +9865,16 @@
 <file path=ppt/slides/slide8.xml><?xml version="1.0" encoding="utf-8"?>
 <p:sld xmlns:a="http://schemas.openxmlformats.org/drawingml/2006/main" xmlns:r="http://schemas.openxmlformats.org/officeDocument/2006/relationships" xmlns:mc="http://schemas.openxmlformats.org/markup-compatibility/2006" xmlns:mv="urn:schemas-microsoft-com:mac:vml" xmlns:p="http://schemas.openxmlformats.org/presentationml/2006/main" xmlns:c="http://schemas.openxmlformats.org/drawingml/2006/chart" xmlns:dgm="http://schemas.openxmlformats.org/drawingml/2006/diagram" xmlns:o="urn:schemas-microsoft-com:office:office" xmlns:v="urn:schemas-microsoft-com:vml" xmlns:pvml="urn:schemas-microsoft-com:office:powerpoint" xmlns:com="http://schemas.openxmlformats.org/drawingml/2006/compatibility" xmlns:p14="http://schemas.microsoft.com/office/powerpoint/2010/main">
   <p:cSld>
+    <p:bg>
+      <p:bgPr>
+        <a:solidFill>
+          <a:schemeClr val="dk1"/>
+        </a:solidFill>
+      </p:bgPr>
+    </p:bg>
     <p:spTree>
       <p:nvGrpSpPr>
-        <p:cNvPr id="122" name="Shape 122"/>
+        <p:cNvPr id="126" name="Shape 126"/>
         <p:cNvGrpSpPr/>
         <p:nvPr/>
       </p:nvGrpSpPr>
@@ -8785,386 +9886,107 @@
           <a:chExt cx="0" cy="0"/>
         </a:xfrm>
       </p:grpSpPr>
-      <p:sp>
-        <p:nvSpPr>
-          <p:cNvPr id="123" name="Shape 123"/>
-          <p:cNvSpPr txBox="1"/>
-          <p:nvPr>
-            <p:ph type="title"/>
-          </p:nvPr>
-        </p:nvSpPr>
-        <p:spPr>
-          <a:xfrm>
-            <a:off x="214925" y="268275"/>
-            <a:ext cx="8620500" cy="1019700"/>
+      <p:pic>
+        <p:nvPicPr>
+          <p:cNvPr id="127" name="Shape 127"/>
+          <p:cNvPicPr preferRelativeResize="0"/>
+          <p:nvPr/>
+        </p:nvPicPr>
+        <p:blipFill>
+          <a:blip r:embed="rId3">
+            <a:alphaModFix/>
+          </a:blip>
+          <a:stretch>
+            <a:fillRect/>
+          </a:stretch>
+        </p:blipFill>
+        <p:spPr>
+          <a:xfrm>
+            <a:off x="71049" y="162725"/>
+            <a:ext cx="8979799" cy="4818049"/>
           </a:xfrm>
           <a:prstGeom prst="rect">
             <a:avLst/>
           </a:prstGeom>
-        </p:spPr>
-        <p:txBody>
-          <a:bodyPr anchorCtr="0" anchor="t" bIns="91425" lIns="91425" rIns="91425" tIns="91425">
-            <a:noAutofit/>
-          </a:bodyPr>
-          <a:lstStyle/>
-          <a:p>
-            <a:pPr lvl="0" rtl="0">
-              <a:spcBef>
-                <a:spcPts val="0"/>
-              </a:spcBef>
-              <a:buNone/>
-            </a:pPr>
-            <a:r>
-              <a:rPr lang="en"/>
-              <a:t>Content Based Recommendation</a:t>
-            </a:r>
-          </a:p>
-        </p:txBody>
-      </p:sp>
-      <p:sp>
-        <p:nvSpPr>
-          <p:cNvPr id="124" name="Shape 124"/>
-          <p:cNvSpPr/>
-          <p:nvPr/>
-        </p:nvSpPr>
-        <p:spPr>
-          <a:xfrm>
-            <a:off x="371750" y="2158000"/>
-            <a:ext cx="2629500" cy="1418100"/>
-          </a:xfrm>
-          <a:prstGeom prst="wedgeRectCallout">
-            <a:avLst>
-              <a:gd fmla="val -20833" name="adj1"/>
-              <a:gd fmla="val 62500" name="adj2"/>
-            </a:avLst>
-          </a:prstGeom>
-          <a:solidFill>
-            <a:schemeClr val="accent2"/>
-          </a:solidFill>
+          <a:noFill/>
           <a:ln>
             <a:noFill/>
           </a:ln>
         </p:spPr>
-        <p:txBody>
-          <a:bodyPr anchorCtr="0" anchor="ctr" bIns="91425" lIns="91425" rIns="91425" tIns="91425">
-            <a:noAutofit/>
-          </a:bodyPr>
-          <a:lstStyle/>
-          <a:p>
-            <a:pPr lvl="0">
-              <a:spcBef>
-                <a:spcPts val="0"/>
-              </a:spcBef>
-              <a:buNone/>
-            </a:pPr>
-            <a:r>
-              <a:t/>
-            </a:r>
-            <a:endParaRPr/>
-          </a:p>
-        </p:txBody>
-      </p:sp>
-      <p:sp>
-        <p:nvSpPr>
-          <p:cNvPr id="125" name="Shape 125"/>
-          <p:cNvSpPr/>
-          <p:nvPr/>
-        </p:nvSpPr>
-        <p:spPr>
-          <a:xfrm>
-            <a:off x="3210432" y="1988900"/>
-            <a:ext cx="2629500" cy="2244900"/>
-          </a:xfrm>
-          <a:prstGeom prst="wedgeRectCallout">
-            <a:avLst>
-              <a:gd fmla="val -20833" name="adj1"/>
-              <a:gd fmla="val 62500" name="adj2"/>
-            </a:avLst>
-          </a:prstGeom>
-          <a:solidFill>
-            <a:schemeClr val="accent5"/>
-          </a:solidFill>
-          <a:ln>
-            <a:noFill/>
-          </a:ln>
-        </p:spPr>
-        <p:txBody>
-          <a:bodyPr anchorCtr="0" anchor="ctr" bIns="91425" lIns="91425" rIns="91425" tIns="91425">
-            <a:noAutofit/>
-          </a:bodyPr>
-          <a:lstStyle/>
-          <a:p>
-            <a:pPr lvl="0">
-              <a:spcBef>
-                <a:spcPts val="0"/>
-              </a:spcBef>
-              <a:buNone/>
-            </a:pPr>
-            <a:r>
-              <a:t/>
-            </a:r>
-            <a:endParaRPr/>
-          </a:p>
-        </p:txBody>
-      </p:sp>
-      <p:sp>
-        <p:nvSpPr>
-          <p:cNvPr id="126" name="Shape 126"/>
-          <p:cNvSpPr/>
-          <p:nvPr/>
-        </p:nvSpPr>
-        <p:spPr>
-          <a:xfrm>
-            <a:off x="6049100" y="1988900"/>
-            <a:ext cx="2629500" cy="1840800"/>
-          </a:xfrm>
-          <a:prstGeom prst="wedgeRectCallout">
-            <a:avLst>
-              <a:gd fmla="val -20833" name="adj1"/>
-              <a:gd fmla="val 62500" name="adj2"/>
-            </a:avLst>
-          </a:prstGeom>
-          <a:solidFill>
-            <a:schemeClr val="dk1"/>
-          </a:solidFill>
-          <a:ln>
-            <a:noFill/>
-          </a:ln>
-        </p:spPr>
-        <p:txBody>
-          <a:bodyPr anchorCtr="0" anchor="ctr" bIns="91425" lIns="91425" rIns="91425" tIns="91425">
-            <a:noAutofit/>
-          </a:bodyPr>
-          <a:lstStyle/>
-          <a:p>
-            <a:pPr lvl="0">
-              <a:spcBef>
-                <a:spcPts val="0"/>
-              </a:spcBef>
-              <a:buNone/>
-            </a:pPr>
-            <a:r>
-              <a:t/>
-            </a:r>
-            <a:endParaRPr/>
-          </a:p>
-        </p:txBody>
-      </p:sp>
-      <p:sp>
-        <p:nvSpPr>
-          <p:cNvPr id="127" name="Shape 127"/>
-          <p:cNvSpPr txBox="1"/>
-          <p:nvPr>
-            <p:ph type="title"/>
-          </p:nvPr>
-        </p:nvSpPr>
-        <p:spPr>
-          <a:xfrm>
-            <a:off x="6125275" y="2061900"/>
-            <a:ext cx="2481600" cy="2005800"/>
-          </a:xfrm>
-          <a:prstGeom prst="rect">
-            <a:avLst/>
-          </a:prstGeom>
-        </p:spPr>
-        <p:txBody>
-          <a:bodyPr anchorCtr="0" anchor="t" bIns="91425" lIns="91425" rIns="91425" tIns="91425">
-            <a:noAutofit/>
-          </a:bodyPr>
-          <a:lstStyle/>
-          <a:p>
-            <a:pPr lvl="0" rtl="0">
-              <a:spcBef>
-                <a:spcPts val="0"/>
-              </a:spcBef>
-              <a:spcAft>
-                <a:spcPts val="1200"/>
-              </a:spcAft>
-              <a:buNone/>
-            </a:pPr>
-            <a:r>
-              <a:rPr lang="en" sz="2100"/>
-              <a:t>Attribute Data</a:t>
-            </a:r>
-          </a:p>
-          <a:p>
-            <a:pPr lvl="0" rtl="0">
-              <a:spcBef>
-                <a:spcPts val="0"/>
-              </a:spcBef>
-              <a:spcAft>
-                <a:spcPts val="1200"/>
-              </a:spcAft>
-              <a:buNone/>
-            </a:pPr>
-            <a:r>
-              <a:rPr lang="en" sz="2100"/>
-              <a:t>Binary Information about Features.</a:t>
-            </a:r>
-          </a:p>
-        </p:txBody>
-      </p:sp>
+      </p:pic>
       <p:sp>
         <p:nvSpPr>
           <p:cNvPr id="128" name="Shape 128"/>
           <p:cNvSpPr txBox="1"/>
-          <p:nvPr>
-            <p:ph type="title"/>
-          </p:nvPr>
+          <p:nvPr/>
         </p:nvSpPr>
         <p:spPr>
           <a:xfrm>
-            <a:off x="447975" y="2061900"/>
-            <a:ext cx="2481599" cy="2005800"/>
+            <a:off x="125425" y="340650"/>
+            <a:ext cx="4750800" cy="762600"/>
           </a:xfrm>
           <a:prstGeom prst="rect">
             <a:avLst/>
           </a:prstGeom>
+          <a:noFill/>
+          <a:ln>
+            <a:noFill/>
+          </a:ln>
         </p:spPr>
         <p:txBody>
-          <a:bodyPr anchorCtr="0" anchor="t" bIns="91425" lIns="91425" rIns="91425" tIns="91425">
+          <a:bodyPr anchorCtr="0" anchor="b" bIns="91425" lIns="91425" rIns="91425" tIns="91425">
             <a:noAutofit/>
           </a:bodyPr>
           <a:lstStyle/>
           <a:p>
-            <a:pPr lvl="0" rtl="0">
-              <a:spcBef>
-                <a:spcPts val="0"/>
-              </a:spcBef>
-              <a:spcAft>
-                <a:spcPts val="1200"/>
-              </a:spcAft>
-              <a:buNone/>
-            </a:pPr>
-            <a:r>
-              <a:rPr lang="en" sz="2100"/>
-              <a:t>Review Text:</a:t>
-            </a:r>
-          </a:p>
-          <a:p>
-            <a:pPr lvl="0" rtl="0">
-              <a:spcBef>
-                <a:spcPts val="0"/>
-              </a:spcBef>
-              <a:spcAft>
-                <a:spcPts val="1200"/>
-              </a:spcAft>
-              <a:buNone/>
-            </a:pPr>
-            <a:r>
-              <a:rPr lang="en" sz="2100"/>
-              <a:t>	TF IDF</a:t>
-            </a:r>
-          </a:p>
-          <a:p>
-            <a:pPr lvl="0" rtl="0">
-              <a:spcBef>
-                <a:spcPts val="0"/>
-              </a:spcBef>
-              <a:spcAft>
-                <a:spcPts val="1200"/>
-              </a:spcAft>
-              <a:buNone/>
-            </a:pPr>
-            <a:r>
-              <a:t/>
-            </a:r>
-            <a:endParaRPr sz="1400">
-              <a:solidFill>
-                <a:schemeClr val="lt1"/>
-              </a:solidFill>
-            </a:endParaRPr>
+            <a:pPr indent="457200" lvl="0" rtl="0">
+              <a:spcBef>
+                <a:spcPts val="0"/>
+              </a:spcBef>
+              <a:buNone/>
+            </a:pPr>
+            <a:r>
+              <a:rPr b="1" lang="en" sz="3000">
+                <a:solidFill>
+                  <a:schemeClr val="lt2"/>
+                </a:solidFill>
+                <a:latin typeface="Raleway"/>
+                <a:ea typeface="Raleway"/>
+                <a:cs typeface="Raleway"/>
+                <a:sym typeface="Raleway"/>
+              </a:rPr>
+              <a:t>Clustering!</a:t>
+            </a:r>
           </a:p>
         </p:txBody>
       </p:sp>
-      <p:sp>
-        <p:nvSpPr>
-          <p:cNvPr id="129" name="Shape 129"/>
-          <p:cNvSpPr txBox="1"/>
-          <p:nvPr>
-            <p:ph type="title"/>
-          </p:nvPr>
-        </p:nvSpPr>
-        <p:spPr>
-          <a:xfrm>
-            <a:off x="3286625" y="2061900"/>
-            <a:ext cx="2481599" cy="2005800"/>
+      <p:pic>
+        <p:nvPicPr>
+          <p:cNvPr descr="cluster.png" id="129" name="Shape 129"/>
+          <p:cNvPicPr preferRelativeResize="0"/>
+          <p:nvPr/>
+        </p:nvPicPr>
+        <p:blipFill rotWithShape="1">
+          <a:blip r:embed="rId4">
+            <a:alphaModFix/>
+          </a:blip>
+          <a:srcRect b="0" l="0" r="0" t="8908"/>
+          <a:stretch/>
+        </p:blipFill>
+        <p:spPr>
+          <a:xfrm>
+            <a:off x="739075" y="1207725"/>
+            <a:ext cx="7665850" cy="3570249"/>
           </a:xfrm>
           <a:prstGeom prst="rect">
             <a:avLst/>
           </a:prstGeom>
-        </p:spPr>
-        <p:txBody>
-          <a:bodyPr anchorCtr="0" anchor="t" bIns="91425" lIns="91425" rIns="91425" tIns="91425">
-            <a:noAutofit/>
-          </a:bodyPr>
-          <a:lstStyle/>
-          <a:p>
-            <a:pPr lvl="0" rtl="0">
-              <a:spcBef>
-                <a:spcPts val="0"/>
-              </a:spcBef>
-              <a:spcAft>
-                <a:spcPts val="1200"/>
-              </a:spcAft>
-              <a:buNone/>
-            </a:pPr>
-            <a:r>
-              <a:rPr lang="en" sz="2100"/>
-              <a:t>Category Data:</a:t>
-            </a:r>
-          </a:p>
-          <a:p>
-            <a:pPr lvl="0" rtl="0">
-              <a:spcBef>
-                <a:spcPts val="0"/>
-              </a:spcBef>
-              <a:spcAft>
-                <a:spcPts val="1200"/>
-              </a:spcAft>
-              <a:buNone/>
-            </a:pPr>
-            <a:r>
-              <a:rPr lang="en" sz="2100"/>
-              <a:t>Euclidean</a:t>
-            </a:r>
-          </a:p>
-          <a:p>
-            <a:pPr lvl="0" rtl="0">
-              <a:spcBef>
-                <a:spcPts val="0"/>
-              </a:spcBef>
-              <a:spcAft>
-                <a:spcPts val="1200"/>
-              </a:spcAft>
-              <a:buNone/>
-            </a:pPr>
-            <a:r>
-              <a:rPr lang="en" sz="2100"/>
-              <a:t>Distance</a:t>
-            </a:r>
-          </a:p>
-          <a:p>
-            <a:pPr lvl="0" rtl="0">
-              <a:spcBef>
-                <a:spcPts val="0"/>
-              </a:spcBef>
-              <a:spcAft>
-                <a:spcPts val="1200"/>
-              </a:spcAft>
-              <a:buNone/>
-            </a:pPr>
-            <a:r>
-              <a:t/>
-            </a:r>
-            <a:endParaRPr b="0" sz="1400">
-              <a:solidFill>
-                <a:schemeClr val="lt1"/>
-              </a:solidFill>
-            </a:endParaRPr>
-          </a:p>
-        </p:txBody>
-      </p:sp>
+          <a:noFill/>
+          <a:ln>
+            <a:noFill/>
+          </a:ln>
+        </p:spPr>
+      </p:pic>
     </p:spTree>
   </p:cSld>
   <p:clrMapOvr>
@@ -9179,7 +10001,7 @@
     <p:bg>
       <p:bgPr>
         <a:solidFill>
-          <a:schemeClr val="lt1"/>
+          <a:schemeClr val="dk1"/>
         </a:solidFill>
       </p:bgPr>
     </p:bg>
@@ -9197,181 +10019,9 @@
           <a:chExt cx="0" cy="0"/>
         </a:xfrm>
       </p:grpSpPr>
-      <p:sp>
-        <p:nvSpPr>
-          <p:cNvPr id="134" name="Shape 134"/>
-          <p:cNvSpPr txBox="1"/>
-          <p:nvPr>
-            <p:ph idx="1" type="subTitle"/>
-          </p:nvPr>
-        </p:nvSpPr>
-        <p:spPr>
-          <a:xfrm>
-            <a:off x="83400" y="1052275"/>
-            <a:ext cx="4490100" cy="3938400"/>
-          </a:xfrm>
-          <a:prstGeom prst="rect">
-            <a:avLst/>
-          </a:prstGeom>
-        </p:spPr>
-        <p:txBody>
-          <a:bodyPr anchorCtr="0" anchor="ctr" bIns="91425" lIns="91425" rIns="91425" tIns="91425">
-            <a:noAutofit/>
-          </a:bodyPr>
-          <a:lstStyle/>
-          <a:p>
-            <a:pPr lvl="0" rtl="0" algn="l">
-              <a:lnSpc>
-                <a:spcPct val="115000"/>
-              </a:lnSpc>
-              <a:spcBef>
-                <a:spcPts val="0"/>
-              </a:spcBef>
-              <a:spcAft>
-                <a:spcPts val="1600"/>
-              </a:spcAft>
-              <a:buNone/>
-            </a:pPr>
-            <a:r>
-              <a:rPr b="1" lang="en" sz="3000">
-                <a:solidFill>
-                  <a:schemeClr val="dk1"/>
-                </a:solidFill>
-              </a:rPr>
-              <a:t>Text Data</a:t>
-            </a:r>
-          </a:p>
-          <a:p>
-            <a:pPr lvl="0" rtl="0" algn="l">
-              <a:lnSpc>
-                <a:spcPct val="115000"/>
-              </a:lnSpc>
-              <a:spcBef>
-                <a:spcPts val="0"/>
-              </a:spcBef>
-              <a:spcAft>
-                <a:spcPts val="1600"/>
-              </a:spcAft>
-              <a:buNone/>
-            </a:pPr>
-            <a:r>
-              <a:rPr lang="en"/>
-              <a:t>Remove numbers, punctuation and stop-words using NLTK.</a:t>
-            </a:r>
-          </a:p>
-          <a:p>
-            <a:pPr indent="0" lvl="0" marL="0" rtl="0" algn="l">
-              <a:lnSpc>
-                <a:spcPct val="115000"/>
-              </a:lnSpc>
-              <a:spcBef>
-                <a:spcPts val="0"/>
-              </a:spcBef>
-              <a:spcAft>
-                <a:spcPts val="1600"/>
-              </a:spcAft>
-              <a:buNone/>
-            </a:pPr>
-            <a:r>
-              <a:rPr lang="en"/>
-              <a:t>Stem and Lemmatize to recognize semantically identical words.</a:t>
-            </a:r>
-          </a:p>
-          <a:p>
-            <a:pPr indent="457200" lvl="0" marL="0" rtl="0" algn="l">
-              <a:lnSpc>
-                <a:spcPct val="115000"/>
-              </a:lnSpc>
-              <a:spcBef>
-                <a:spcPts val="0"/>
-              </a:spcBef>
-              <a:spcAft>
-                <a:spcPts val="1600"/>
-              </a:spcAft>
-              <a:buNone/>
-            </a:pPr>
-            <a:r>
-              <a:rPr lang="en"/>
-              <a:t>Having to Hav.</a:t>
-            </a:r>
-          </a:p>
-          <a:p>
-            <a:pPr indent="457200" lvl="0" marL="0" rtl="0" algn="l">
-              <a:lnSpc>
-                <a:spcPct val="115000"/>
-              </a:lnSpc>
-              <a:spcBef>
-                <a:spcPts val="0"/>
-              </a:spcBef>
-              <a:spcAft>
-                <a:spcPts val="1600"/>
-              </a:spcAft>
-              <a:buNone/>
-            </a:pPr>
-            <a:r>
-              <a:rPr lang="en"/>
-              <a:t>Am to be.</a:t>
-            </a:r>
-          </a:p>
-          <a:p>
-            <a:pPr indent="0" lvl="0" marL="0" rtl="0" algn="l">
-              <a:lnSpc>
-                <a:spcPct val="115000"/>
-              </a:lnSpc>
-              <a:spcBef>
-                <a:spcPts val="0"/>
-              </a:spcBef>
-              <a:spcAft>
-                <a:spcPts val="1600"/>
-              </a:spcAft>
-              <a:buNone/>
-            </a:pPr>
-            <a:r>
-              <a:rPr lang="en"/>
-              <a:t>Extract top 1,000 words.</a:t>
-            </a:r>
-          </a:p>
-          <a:p>
-            <a:pPr indent="0" lvl="0" marL="0" rtl="0" algn="l">
-              <a:lnSpc>
-                <a:spcPct val="115000"/>
-              </a:lnSpc>
-              <a:spcBef>
-                <a:spcPts val="0"/>
-              </a:spcBef>
-              <a:spcAft>
-                <a:spcPts val="1600"/>
-              </a:spcAft>
-              <a:buNone/>
-            </a:pPr>
-            <a:r>
-              <a:rPr lang="en"/>
-              <a:t>SKLearn to vectorize and analyze similarity.</a:t>
-            </a:r>
-          </a:p>
-          <a:p>
-            <a:pPr indent="0" lvl="0" marL="0" rtl="0" algn="l">
-              <a:lnSpc>
-                <a:spcPct val="115000"/>
-              </a:lnSpc>
-              <a:spcBef>
-                <a:spcPts val="0"/>
-              </a:spcBef>
-              <a:spcAft>
-                <a:spcPts val="1600"/>
-              </a:spcAft>
-              <a:buNone/>
-            </a:pPr>
-            <a:r>
-              <a:t/>
-            </a:r>
-            <a:endParaRPr/>
-          </a:p>
-        </p:txBody>
-      </p:sp>
       <p:pic>
         <p:nvPicPr>
-          <p:cNvPr id="135" name="Shape 135"/>
+          <p:cNvPr id="134" name="Shape 134"/>
           <p:cNvPicPr preferRelativeResize="0"/>
           <p:nvPr/>
         </p:nvPicPr>
@@ -9385,8 +10035,81 @@
         </p:blipFill>
         <p:spPr>
           <a:xfrm>
-            <a:off x="4822450" y="272175"/>
-            <a:ext cx="3864925" cy="2423150"/>
+            <a:off x="71049" y="162725"/>
+            <a:ext cx="8979799" cy="4818049"/>
+          </a:xfrm>
+          <a:prstGeom prst="rect">
+            <a:avLst/>
+          </a:prstGeom>
+          <a:noFill/>
+          <a:ln>
+            <a:noFill/>
+          </a:ln>
+        </p:spPr>
+      </p:pic>
+      <p:sp>
+        <p:nvSpPr>
+          <p:cNvPr id="135" name="Shape 135"/>
+          <p:cNvSpPr txBox="1"/>
+          <p:nvPr/>
+        </p:nvSpPr>
+        <p:spPr>
+          <a:xfrm>
+            <a:off x="125425" y="340650"/>
+            <a:ext cx="4750800" cy="762600"/>
+          </a:xfrm>
+          <a:prstGeom prst="rect">
+            <a:avLst/>
+          </a:prstGeom>
+          <a:noFill/>
+          <a:ln>
+            <a:noFill/>
+          </a:ln>
+        </p:spPr>
+        <p:txBody>
+          <a:bodyPr anchorCtr="0" anchor="b" bIns="91425" lIns="91425" rIns="91425" tIns="91425">
+            <a:noAutofit/>
+          </a:bodyPr>
+          <a:lstStyle/>
+          <a:p>
+            <a:pPr indent="457200" lvl="0" rtl="0">
+              <a:spcBef>
+                <a:spcPts val="0"/>
+              </a:spcBef>
+              <a:buNone/>
+            </a:pPr>
+            <a:r>
+              <a:rPr b="1" lang="en" sz="3000">
+                <a:solidFill>
+                  <a:schemeClr val="lt2"/>
+                </a:solidFill>
+                <a:latin typeface="Raleway"/>
+                <a:ea typeface="Raleway"/>
+                <a:cs typeface="Raleway"/>
+                <a:sym typeface="Raleway"/>
+              </a:rPr>
+              <a:t>Clustering!</a:t>
+            </a:r>
+          </a:p>
+        </p:txBody>
+      </p:sp>
+      <p:pic>
+        <p:nvPicPr>
+          <p:cNvPr descr="Screen Shot 2017-03-29 at 11.04.28.png" id="136" name="Shape 136"/>
+          <p:cNvPicPr preferRelativeResize="0"/>
+          <p:nvPr/>
+        </p:nvPicPr>
+        <p:blipFill rotWithShape="1">
+          <a:blip r:embed="rId4">
+            <a:alphaModFix/>
+          </a:blip>
+          <a:srcRect b="-1642" l="1789" r="3026" t="3266"/>
+          <a:stretch/>
+        </p:blipFill>
+        <p:spPr>
+          <a:xfrm>
+            <a:off x="668275" y="1103249"/>
+            <a:ext cx="7785350" cy="3720800"/>
           </a:xfrm>
           <a:prstGeom prst="rect">
             <a:avLst/>
